--- a/Powerpoint/TedxMatch-1.pptx
+++ b/Powerpoint/TedxMatch-1.pptx
@@ -25,7 +25,7 @@
       <p:boldItalic r:id="rId11"/>
     </p:embeddedFont>
     <p:embeddedFont>
-      <p:font typeface="Inconsolata Bold" panose="020F0502020204030204" pitchFamily="34" charset="0"/>
+      <p:font typeface="Inconsolata Bold" pitchFamily="1" charset="0"/>
       <p:bold r:id="rId12"/>
     </p:embeddedFont>
   </p:embeddedFontLst>
@@ -130,6 +130,14 @@
     </p:ext>
   </p:extLst>
 </p:presentation>
+</file>
+
+<file path=ppt/revisionInfo.xml><?xml version="1.0" encoding="utf-8"?>
+<p1510:revInfo xmlns:a="http://schemas.openxmlformats.org/drawingml/2006/main" xmlns:r="http://schemas.openxmlformats.org/officeDocument/2006/relationships" xmlns:p1510="http://schemas.microsoft.com/office/powerpoint/2015/10/main">
+  <p1510:revLst>
+    <p1510:client id="{4DBCD900-501A-034C-1C00-4A1FFD73D4BC}" v="27" dt="2025-09-22T09:02:22.421"/>
+  </p1510:revLst>
+</p1510:revInfo>
 </file>
 
 <file path=ppt/notesMasters/notesMaster1.xml><?xml version="1.0" encoding="utf-8"?>
@@ -2130,7 +2138,7 @@
         </p:nvSpPr>
         <p:spPr>
           <a:xfrm>
-            <a:off x="2755761" y="4045744"/>
+            <a:off x="2755761" y="4001676"/>
             <a:ext cx="272177" cy="340162"/>
           </a:xfrm>
           <a:prstGeom prst="rect">
@@ -2150,17 +2158,24 @@
               <a:buNone/>
             </a:pPr>
             <a:r>
-              <a:rPr lang="en-US" sz="2100" b="1" dirty="0">
-                <a:solidFill>
-                  <a:srgbClr val="000000"/>
-                </a:solidFill>
-                <a:latin typeface="Inconsolata Bold" pitchFamily="34" charset="0"/>
-                <a:ea typeface="Inconsolata Bold" pitchFamily="34" charset="-122"/>
+              <a:rPr lang="en-US" sz="3200" b="1" dirty="0">
+                <a:solidFill>
+                  <a:schemeClr val="bg1"/>
+                </a:solidFill>
+                <a:latin typeface="Inconsolata Bold"/>
+                <a:ea typeface="Inconsolata Bold"/>
                 <a:cs typeface="Inconsolata Bold" pitchFamily="34" charset="-120"/>
               </a:rPr>
               <a:t>1</a:t>
             </a:r>
-            <a:endParaRPr lang="en-US" sz="2100" dirty="0"/>
+            <a:endParaRPr lang="en-US" sz="2100" dirty="0">
+              <a:solidFill>
+                <a:schemeClr val="bg1"/>
+              </a:solidFill>
+              <a:latin typeface="Calibri" panose="020F0502020204030204"/>
+              <a:ea typeface="Calibri" panose="020F0502020204030204"/>
+              <a:cs typeface="Calibri" panose="020F0502020204030204"/>
+            </a:endParaRPr>
           </a:p>
         </p:txBody>
       </p:sp>
@@ -2333,7 +2348,7 @@
         </p:nvSpPr>
         <p:spPr>
           <a:xfrm>
-            <a:off x="7178933" y="4045744"/>
+            <a:off x="7178933" y="4012693"/>
             <a:ext cx="272177" cy="340162"/>
           </a:xfrm>
           <a:prstGeom prst="rect">
@@ -2353,17 +2368,24 @@
               <a:buNone/>
             </a:pPr>
             <a:r>
-              <a:rPr lang="en-US" sz="2100" b="1" dirty="0">
-                <a:solidFill>
-                  <a:srgbClr val="000000"/>
-                </a:solidFill>
-                <a:latin typeface="Inconsolata Bold" pitchFamily="34" charset="0"/>
-                <a:ea typeface="Inconsolata Bold" pitchFamily="34" charset="-122"/>
+              <a:rPr lang="en-US" sz="3200" b="1" dirty="0">
+                <a:solidFill>
+                  <a:schemeClr val="bg1"/>
+                </a:solidFill>
+                <a:latin typeface="Inconsolata Bold"/>
+                <a:ea typeface="Inconsolata Bold"/>
                 <a:cs typeface="Inconsolata Bold" pitchFamily="34" charset="-120"/>
               </a:rPr>
               <a:t>2</a:t>
             </a:r>
-            <a:endParaRPr lang="en-US" sz="2100" dirty="0"/>
+            <a:endParaRPr lang="en-US" sz="2100" dirty="0">
+              <a:solidFill>
+                <a:schemeClr val="bg1"/>
+              </a:solidFill>
+              <a:latin typeface="Calibri" panose="020F0502020204030204"/>
+              <a:ea typeface="Calibri" panose="020F0502020204030204"/>
+              <a:cs typeface="Calibri" panose="020F0502020204030204"/>
+            </a:endParaRPr>
           </a:p>
         </p:txBody>
       </p:sp>
@@ -2536,7 +2558,7 @@
         </p:nvSpPr>
         <p:spPr>
           <a:xfrm>
-            <a:off x="11602105" y="4045744"/>
+            <a:off x="11602105" y="4001676"/>
             <a:ext cx="272177" cy="340162"/>
           </a:xfrm>
           <a:prstGeom prst="rect">
@@ -2556,17 +2578,24 @@
               <a:buNone/>
             </a:pPr>
             <a:r>
-              <a:rPr lang="en-US" sz="2100" b="1" dirty="0">
-                <a:solidFill>
-                  <a:srgbClr val="000000"/>
-                </a:solidFill>
-                <a:latin typeface="Inconsolata Bold" pitchFamily="34" charset="0"/>
-                <a:ea typeface="Inconsolata Bold" pitchFamily="34" charset="-122"/>
+              <a:rPr lang="en-US" sz="3200" b="1" dirty="0">
+                <a:solidFill>
+                  <a:schemeClr val="bg1"/>
+                </a:solidFill>
+                <a:latin typeface="Inconsolata Bold"/>
+                <a:ea typeface="Inconsolata Bold"/>
                 <a:cs typeface="Inconsolata Bold" pitchFamily="34" charset="-120"/>
               </a:rPr>
               <a:t>3</a:t>
             </a:r>
-            <a:endParaRPr lang="en-US" sz="2100" dirty="0"/>
+            <a:endParaRPr lang="en-US" sz="2100" dirty="0">
+              <a:solidFill>
+                <a:schemeClr val="bg1"/>
+              </a:solidFill>
+              <a:latin typeface="Calibri" panose="020F0502020204030204"/>
+              <a:ea typeface="Calibri" panose="020F0502020204030204"/>
+              <a:cs typeface="Calibri" panose="020F0502020204030204"/>
+            </a:endParaRPr>
           </a:p>
         </p:txBody>
       </p:sp>

--- a/Powerpoint/TedxMatch-1.pptx
+++ b/Powerpoint/TedxMatch-1.pptx
@@ -5,28 +5,31 @@
     <p:sldMasterId id="2147483648" r:id="rId1"/>
   </p:sldMasterIdLst>
   <p:notesMasterIdLst>
-    <p:notesMasterId r:id="rId7"/>
+    <p:notesMasterId r:id="rId10"/>
   </p:notesMasterIdLst>
   <p:sldIdLst>
     <p:sldId id="261" r:id="rId2"/>
     <p:sldId id="257" r:id="rId3"/>
-    <p:sldId id="258" r:id="rId4"/>
-    <p:sldId id="259" r:id="rId5"/>
-    <p:sldId id="260" r:id="rId6"/>
+    <p:sldId id="263" r:id="rId4"/>
+    <p:sldId id="264" r:id="rId5"/>
+    <p:sldId id="258" r:id="rId6"/>
+    <p:sldId id="259" r:id="rId7"/>
+    <p:sldId id="262" r:id="rId8"/>
+    <p:sldId id="260" r:id="rId9"/>
   </p:sldIdLst>
   <p:sldSz cx="14630400" cy="8229600"/>
   <p:notesSz cx="8229600" cy="14630400"/>
   <p:embeddedFontLst>
     <p:embeddedFont>
       <p:font typeface="Fira Sans" panose="020B0503050000020004" pitchFamily="34" charset="0"/>
-      <p:regular r:id="rId8"/>
-      <p:bold r:id="rId9"/>
-      <p:italic r:id="rId10"/>
-      <p:boldItalic r:id="rId11"/>
+      <p:regular r:id="rId11"/>
+      <p:bold r:id="rId12"/>
+      <p:italic r:id="rId13"/>
+      <p:boldItalic r:id="rId14"/>
     </p:embeddedFont>
     <p:embeddedFont>
-      <p:font typeface="Inconsolata Bold" pitchFamily="1" charset="0"/>
-      <p:bold r:id="rId12"/>
+      <p:font typeface="Inconsolata Bold" panose="020F0502020204030204" pitchFamily="34" charset="0"/>
+      <p:bold r:id="rId15"/>
     </p:embeddedFont>
   </p:embeddedFontLst>
   <p:defaultTextStyle>
@@ -685,6 +688,258 @@
 </p:notes>
 </file>
 
+<file path=ppt/notesSlides/notesSlide6.xml><?xml version="1.0" encoding="utf-8"?>
+<p:notes xmlns:a="http://schemas.openxmlformats.org/drawingml/2006/main" xmlns:r="http://schemas.openxmlformats.org/officeDocument/2006/relationships" xmlns:p="http://schemas.openxmlformats.org/presentationml/2006/main">
+  <p:cSld>
+    <p:spTree>
+      <p:nvGrpSpPr>
+        <p:cNvPr id="1" name=""/>
+        <p:cNvGrpSpPr/>
+        <p:nvPr/>
+      </p:nvGrpSpPr>
+      <p:grpSpPr>
+        <a:xfrm>
+          <a:off x="0" y="0"/>
+          <a:ext cx="0" cy="0"/>
+          <a:chOff x="0" y="0"/>
+          <a:chExt cx="0" cy="0"/>
+        </a:xfrm>
+      </p:grpSpPr>
+      <p:sp>
+        <p:nvSpPr>
+          <p:cNvPr id="2" name="Slide Image Placeholder 1"/>
+          <p:cNvSpPr>
+            <a:spLocks noGrp="1" noRot="1" noChangeAspect="1"/>
+          </p:cNvSpPr>
+          <p:nvPr>
+            <p:ph type="sldImg"/>
+          </p:nvPr>
+        </p:nvSpPr>
+        <p:spPr/>
+      </p:sp>
+      <p:sp>
+        <p:nvSpPr>
+          <p:cNvPr id="3" name="Notes Placeholder 2"/>
+          <p:cNvSpPr>
+            <a:spLocks noGrp="1"/>
+          </p:cNvSpPr>
+          <p:nvPr>
+            <p:ph type="body" idx="1"/>
+          </p:nvPr>
+        </p:nvSpPr>
+        <p:spPr/>
+        <p:txBody>
+          <a:bodyPr/>
+          <a:lstStyle/>
+          <a:p>
+            <a:endParaRPr lang="en-US" dirty="0"/>
+          </a:p>
+        </p:txBody>
+      </p:sp>
+      <p:sp>
+        <p:nvSpPr>
+          <p:cNvPr id="4" name="Slide Number Placeholder 3"/>
+          <p:cNvSpPr>
+            <a:spLocks noGrp="1"/>
+          </p:cNvSpPr>
+          <p:nvPr>
+            <p:ph type="sldNum" sz="quarter" idx="10"/>
+          </p:nvPr>
+        </p:nvSpPr>
+        <p:spPr/>
+        <p:txBody>
+          <a:bodyPr/>
+          <a:lstStyle/>
+          <a:p>
+            <a:fld id="{F7021451-1387-4CA6-816F-3879F97B5CBC}" type="slidenum">
+              <a:rPr lang="en-US"/>
+              <a:t>6</a:t>
+            </a:fld>
+            <a:endParaRPr lang="en-US"/>
+          </a:p>
+        </p:txBody>
+      </p:sp>
+    </p:spTree>
+    <p:extLst>
+      <p:ext uri="{BB962C8B-B14F-4D97-AF65-F5344CB8AC3E}">
+        <p14:creationId xmlns:p14="http://schemas.microsoft.com/office/powerpoint/2010/main" val="1024086991"/>
+      </p:ext>
+    </p:extLst>
+  </p:cSld>
+  <p:clrMapOvr>
+    <a:masterClrMapping/>
+  </p:clrMapOvr>
+</p:notes>
+</file>
+
+<file path=ppt/notesSlides/notesSlide7.xml><?xml version="1.0" encoding="utf-8"?>
+<p:notes xmlns:a="http://schemas.openxmlformats.org/drawingml/2006/main" xmlns:r="http://schemas.openxmlformats.org/officeDocument/2006/relationships" xmlns:p="http://schemas.openxmlformats.org/presentationml/2006/main">
+  <p:cSld>
+    <p:spTree>
+      <p:nvGrpSpPr>
+        <p:cNvPr id="1" name=""/>
+        <p:cNvGrpSpPr/>
+        <p:nvPr/>
+      </p:nvGrpSpPr>
+      <p:grpSpPr>
+        <a:xfrm>
+          <a:off x="0" y="0"/>
+          <a:ext cx="0" cy="0"/>
+          <a:chOff x="0" y="0"/>
+          <a:chExt cx="0" cy="0"/>
+        </a:xfrm>
+      </p:grpSpPr>
+      <p:sp>
+        <p:nvSpPr>
+          <p:cNvPr id="2" name="Slide Image Placeholder 1"/>
+          <p:cNvSpPr>
+            <a:spLocks noGrp="1" noRot="1" noChangeAspect="1"/>
+          </p:cNvSpPr>
+          <p:nvPr>
+            <p:ph type="sldImg"/>
+          </p:nvPr>
+        </p:nvSpPr>
+        <p:spPr/>
+      </p:sp>
+      <p:sp>
+        <p:nvSpPr>
+          <p:cNvPr id="3" name="Notes Placeholder 2"/>
+          <p:cNvSpPr>
+            <a:spLocks noGrp="1"/>
+          </p:cNvSpPr>
+          <p:nvPr>
+            <p:ph type="body" idx="1"/>
+          </p:nvPr>
+        </p:nvSpPr>
+        <p:spPr/>
+        <p:txBody>
+          <a:bodyPr/>
+          <a:lstStyle/>
+          <a:p>
+            <a:endParaRPr lang="en-US" dirty="0"/>
+          </a:p>
+        </p:txBody>
+      </p:sp>
+      <p:sp>
+        <p:nvSpPr>
+          <p:cNvPr id="4" name="Slide Number Placeholder 3"/>
+          <p:cNvSpPr>
+            <a:spLocks noGrp="1"/>
+          </p:cNvSpPr>
+          <p:nvPr>
+            <p:ph type="sldNum" sz="quarter" idx="10"/>
+          </p:nvPr>
+        </p:nvSpPr>
+        <p:spPr/>
+        <p:txBody>
+          <a:bodyPr/>
+          <a:lstStyle/>
+          <a:p>
+            <a:fld id="{F7021451-1387-4CA6-816F-3879F97B5CBC}" type="slidenum">
+              <a:rPr lang="en-US"/>
+              <a:t>7</a:t>
+            </a:fld>
+            <a:endParaRPr lang="en-US"/>
+          </a:p>
+        </p:txBody>
+      </p:sp>
+    </p:spTree>
+    <p:extLst>
+      <p:ext uri="{BB962C8B-B14F-4D97-AF65-F5344CB8AC3E}">
+        <p14:creationId xmlns:p14="http://schemas.microsoft.com/office/powerpoint/2010/main" val="1024086991"/>
+      </p:ext>
+    </p:extLst>
+  </p:cSld>
+  <p:clrMapOvr>
+    <a:masterClrMapping/>
+  </p:clrMapOvr>
+</p:notes>
+</file>
+
+<file path=ppt/notesSlides/notesSlide8.xml><?xml version="1.0" encoding="utf-8"?>
+<p:notes xmlns:a="http://schemas.openxmlformats.org/drawingml/2006/main" xmlns:r="http://schemas.openxmlformats.org/officeDocument/2006/relationships" xmlns:p="http://schemas.openxmlformats.org/presentationml/2006/main">
+  <p:cSld>
+    <p:spTree>
+      <p:nvGrpSpPr>
+        <p:cNvPr id="1" name=""/>
+        <p:cNvGrpSpPr/>
+        <p:nvPr/>
+      </p:nvGrpSpPr>
+      <p:grpSpPr>
+        <a:xfrm>
+          <a:off x="0" y="0"/>
+          <a:ext cx="0" cy="0"/>
+          <a:chOff x="0" y="0"/>
+          <a:chExt cx="0" cy="0"/>
+        </a:xfrm>
+      </p:grpSpPr>
+      <p:sp>
+        <p:nvSpPr>
+          <p:cNvPr id="2" name="Slide Image Placeholder 1"/>
+          <p:cNvSpPr>
+            <a:spLocks noGrp="1" noRot="1" noChangeAspect="1"/>
+          </p:cNvSpPr>
+          <p:nvPr>
+            <p:ph type="sldImg"/>
+          </p:nvPr>
+        </p:nvSpPr>
+        <p:spPr/>
+      </p:sp>
+      <p:sp>
+        <p:nvSpPr>
+          <p:cNvPr id="3" name="Notes Placeholder 2"/>
+          <p:cNvSpPr>
+            <a:spLocks noGrp="1"/>
+          </p:cNvSpPr>
+          <p:nvPr>
+            <p:ph type="body" idx="1"/>
+          </p:nvPr>
+        </p:nvSpPr>
+        <p:spPr/>
+        <p:txBody>
+          <a:bodyPr/>
+          <a:lstStyle/>
+          <a:p>
+            <a:endParaRPr lang="en-US" dirty="0"/>
+          </a:p>
+        </p:txBody>
+      </p:sp>
+      <p:sp>
+        <p:nvSpPr>
+          <p:cNvPr id="4" name="Slide Number Placeholder 3"/>
+          <p:cNvSpPr>
+            <a:spLocks noGrp="1"/>
+          </p:cNvSpPr>
+          <p:nvPr>
+            <p:ph type="sldNum" sz="quarter" idx="10"/>
+          </p:nvPr>
+        </p:nvSpPr>
+        <p:spPr/>
+        <p:txBody>
+          <a:bodyPr/>
+          <a:lstStyle/>
+          <a:p>
+            <a:fld id="{F7021451-1387-4CA6-816F-3879F97B5CBC}" type="slidenum">
+              <a:rPr lang="en-US"/>
+              <a:t>8</a:t>
+            </a:fld>
+            <a:endParaRPr lang="en-US"/>
+          </a:p>
+        </p:txBody>
+      </p:sp>
+    </p:spTree>
+    <p:extLst>
+      <p:ext uri="{BB962C8B-B14F-4D97-AF65-F5344CB8AC3E}">
+        <p14:creationId xmlns:p14="http://schemas.microsoft.com/office/powerpoint/2010/main" val="1024086991"/>
+      </p:ext>
+    </p:extLst>
+  </p:cSld>
+  <p:clrMapOvr>
+    <a:masterClrMapping/>
+  </p:clrMapOvr>
+</p:notes>
+</file>
+
 <file path=ppt/slideLayouts/slideLayout1.xml><?xml version="1.0" encoding="utf-8"?>
 <p:sldLayout xmlns:a="http://schemas.openxmlformats.org/drawingml/2006/main" xmlns:r="http://schemas.openxmlformats.org/officeDocument/2006/relationships" xmlns:p="http://schemas.openxmlformats.org/presentationml/2006/main" preserve="1">
   <p:cSld name="DEFAULT">
@@ -1228,6 +1483,124 @@
         </p:spPr>
       </p:pic>
     </p:spTree>
+  </p:cSld>
+  <p:clrMapOvr>
+    <a:masterClrMapping/>
+  </p:clrMapOvr>
+</p:sldLayout>
+</file>
+
+<file path=ppt/slideLayouts/slideLayout7.xml><?xml version="1.0" encoding="utf-8"?>
+<p:sldLayout xmlns:a="http://schemas.openxmlformats.org/drawingml/2006/main" xmlns:r="http://schemas.openxmlformats.org/officeDocument/2006/relationships" xmlns:p="http://schemas.openxmlformats.org/presentationml/2006/main">
+  <p:cSld name="Slide 7 master">
+    <p:bg>
+      <p:bgPr>
+        <a:solidFill>
+          <a:srgbClr val="000000"/>
+        </a:solidFill>
+        <a:effectLst/>
+      </p:bgPr>
+    </p:bg>
+    <p:spTree>
+      <p:nvGrpSpPr>
+        <p:cNvPr id="1" name=""/>
+        <p:cNvGrpSpPr/>
+        <p:nvPr/>
+      </p:nvGrpSpPr>
+      <p:grpSpPr>
+        <a:xfrm>
+          <a:off x="0" y="0"/>
+          <a:ext cx="0" cy="0"/>
+          <a:chOff x="0" y="0"/>
+          <a:chExt cx="0" cy="0"/>
+        </a:xfrm>
+      </p:grpSpPr>
+      <p:sp>
+        <p:nvSpPr>
+          <p:cNvPr id="2" name="Shape 0"/>
+          <p:cNvSpPr/>
+          <p:nvPr/>
+        </p:nvSpPr>
+        <p:spPr>
+          <a:xfrm>
+            <a:off x="0" y="0"/>
+            <a:ext cx="14630400" cy="8229600"/>
+          </a:xfrm>
+          <a:prstGeom prst="rect">
+            <a:avLst/>
+          </a:prstGeom>
+          <a:solidFill>
+            <a:srgbClr val="272525"/>
+          </a:solidFill>
+          <a:ln/>
+        </p:spPr>
+        <p:txBody>
+          <a:bodyPr/>
+          <a:lstStyle/>
+          <a:p>
+            <a:endParaRPr lang="it-IT"/>
+          </a:p>
+        </p:txBody>
+      </p:sp>
+      <p:sp>
+        <p:nvSpPr>
+          <p:cNvPr id="3" name="Shape 1"/>
+          <p:cNvSpPr/>
+          <p:nvPr/>
+        </p:nvSpPr>
+        <p:spPr>
+          <a:xfrm>
+            <a:off x="0" y="0"/>
+            <a:ext cx="14630400" cy="8229600"/>
+          </a:xfrm>
+          <a:prstGeom prst="rect">
+            <a:avLst/>
+          </a:prstGeom>
+          <a:solidFill>
+            <a:srgbClr val="241631"/>
+          </a:solidFill>
+          <a:ln/>
+        </p:spPr>
+        <p:txBody>
+          <a:bodyPr/>
+          <a:lstStyle/>
+          <a:p>
+            <a:endParaRPr lang="it-IT"/>
+          </a:p>
+        </p:txBody>
+      </p:sp>
+      <p:pic>
+        <p:nvPicPr>
+          <p:cNvPr id="4" name="Image 0" descr="preencoded.png">
+            <a:hlinkClick r:id="rId2"/>
+          </p:cNvPr>
+          <p:cNvPicPr>
+            <a:picLocks noChangeAspect="1"/>
+          </p:cNvPicPr>
+          <p:nvPr/>
+        </p:nvPicPr>
+        <p:blipFill>
+          <a:blip r:embed="rId3"/>
+          <a:stretch>
+            <a:fillRect/>
+          </a:stretch>
+        </p:blipFill>
+        <p:spPr>
+          <a:xfrm>
+            <a:off x="12839215" y="7749540"/>
+            <a:ext cx="1722605" cy="411480"/>
+          </a:xfrm>
+          <a:prstGeom prst="rect">
+            <a:avLst/>
+          </a:prstGeom>
+        </p:spPr>
+      </p:pic>
+    </p:spTree>
+    <p:extLst>
+      <p:ext uri="{BB962C8B-B14F-4D97-AF65-F5344CB8AC3E}">
+        <p14:creationId xmlns:p14="http://schemas.microsoft.com/office/powerpoint/2010/main" val="3281213427"/>
+      </p:ext>
+    </p:extLst>
   </p:cSld>
   <p:clrMapOvr>
     <a:masterClrMapping/>
@@ -1273,6 +1646,7 @@
     <p:sldLayoutId id="2147483652" r:id="rId4"/>
     <p:sldLayoutId id="2147483653" r:id="rId5"/>
     <p:sldLayoutId id="2147483654" r:id="rId6"/>
+    <p:sldLayoutId id="2147483655" r:id="rId7"/>
   </p:sldLayoutIdLst>
   <p:hf sldNum="0" hdr="0" ftr="0" dt="0"/>
   <p:txStyles>
@@ -2745,6 +3119,1049 @@
 
 <file path=ppt/slides/slide3.xml><?xml version="1.0" encoding="utf-8"?>
 <p:sld xmlns:a="http://schemas.openxmlformats.org/drawingml/2006/main" xmlns:r="http://schemas.openxmlformats.org/officeDocument/2006/relationships" xmlns:p="http://schemas.openxmlformats.org/presentationml/2006/main">
+  <p:cSld>
+    <p:spTree>
+      <p:nvGrpSpPr>
+        <p:cNvPr id="1" name=""/>
+        <p:cNvGrpSpPr/>
+        <p:nvPr/>
+      </p:nvGrpSpPr>
+      <p:grpSpPr>
+        <a:xfrm>
+          <a:off x="0" y="0"/>
+          <a:ext cx="0" cy="0"/>
+          <a:chOff x="0" y="0"/>
+          <a:chExt cx="0" cy="0"/>
+        </a:xfrm>
+      </p:grpSpPr>
+      <p:sp>
+        <p:nvSpPr>
+          <p:cNvPr id="2" name="Text 0"/>
+          <p:cNvSpPr/>
+          <p:nvPr/>
+        </p:nvSpPr>
+        <p:spPr>
+          <a:xfrm>
+            <a:off x="793790" y="1761768"/>
+            <a:ext cx="5670590" cy="708779"/>
+          </a:xfrm>
+          <a:prstGeom prst="rect">
+            <a:avLst/>
+          </a:prstGeom>
+          <a:noFill/>
+          <a:ln/>
+        </p:spPr>
+        <p:txBody>
+          <a:bodyPr wrap="none" lIns="0" tIns="0" rIns="0" bIns="0" rtlCol="0" anchor="t"/>
+          <a:lstStyle/>
+          <a:p>
+            <a:pPr marL="0" indent="0" algn="l">
+              <a:lnSpc>
+                <a:spcPts val="5550"/>
+              </a:lnSpc>
+              <a:buNone/>
+            </a:pPr>
+            <a:endParaRPr lang="en-US" sz="4450" dirty="0"/>
+          </a:p>
+        </p:txBody>
+      </p:sp>
+      <p:sp>
+        <p:nvSpPr>
+          <p:cNvPr id="3" name="Text 1"/>
+          <p:cNvSpPr/>
+          <p:nvPr/>
+        </p:nvSpPr>
+        <p:spPr>
+          <a:xfrm>
+            <a:off x="793790" y="2470547"/>
+            <a:ext cx="3402330" cy="425291"/>
+          </a:xfrm>
+          <a:prstGeom prst="rect">
+            <a:avLst/>
+          </a:prstGeom>
+          <a:noFill/>
+          <a:ln/>
+        </p:spPr>
+        <p:txBody>
+          <a:bodyPr wrap="none" lIns="0" tIns="0" rIns="0" bIns="0" rtlCol="0" anchor="t"/>
+          <a:lstStyle/>
+          <a:p>
+            <a:pPr marL="0" indent="0" algn="l">
+              <a:lnSpc>
+                <a:spcPts val="3300"/>
+              </a:lnSpc>
+              <a:buNone/>
+            </a:pPr>
+            <a:r>
+              <a:rPr lang="en-US" sz="2650" b="1" dirty="0">
+                <a:solidFill>
+                  <a:srgbClr val="F94CAF"/>
+                </a:solidFill>
+                <a:latin typeface="Inconsolata Bold" pitchFamily="34" charset="0"/>
+                <a:ea typeface="Inconsolata Bold" pitchFamily="34" charset="-122"/>
+                <a:cs typeface="Inconsolata Bold" pitchFamily="34" charset="-120"/>
+              </a:rPr>
+              <a:t>Obiettivi Principali</a:t>
+            </a:r>
+            <a:endParaRPr lang="en-US" sz="2650" dirty="0"/>
+          </a:p>
+        </p:txBody>
+      </p:sp>
+      <p:sp>
+        <p:nvSpPr>
+          <p:cNvPr id="4" name="Text 2"/>
+          <p:cNvSpPr/>
+          <p:nvPr/>
+        </p:nvSpPr>
+        <p:spPr>
+          <a:xfrm>
+            <a:off x="793790" y="3122653"/>
+            <a:ext cx="6244709" cy="725805"/>
+          </a:xfrm>
+          <a:prstGeom prst="rect">
+            <a:avLst/>
+          </a:prstGeom>
+          <a:noFill/>
+          <a:ln/>
+        </p:spPr>
+        <p:txBody>
+          <a:bodyPr wrap="square" lIns="0" tIns="0" rIns="0" bIns="0" rtlCol="0" anchor="t"/>
+          <a:lstStyle/>
+          <a:p>
+            <a:pPr marL="342900" indent="-342900" algn="l">
+              <a:lnSpc>
+                <a:spcPts val="2850"/>
+              </a:lnSpc>
+              <a:buSzPct val="100000"/>
+              <a:buChar char="•"/>
+            </a:pPr>
+            <a:r>
+              <a:rPr lang="en-US" sz="1750" dirty="0">
+                <a:solidFill>
+                  <a:srgbClr val="DAD1E6"/>
+                </a:solidFill>
+                <a:latin typeface="Fira Sans" pitchFamily="34" charset="0"/>
+                <a:ea typeface="Fira Sans" pitchFamily="34" charset="-122"/>
+                <a:cs typeface="Fira Sans" pitchFamily="34" charset="-120"/>
+              </a:rPr>
+              <a:t>Trasformare l’esperienza dei TEDx Talks, rendendola interattiva e coinvolgente.</a:t>
+            </a:r>
+            <a:endParaRPr lang="en-US" sz="1750" dirty="0"/>
+          </a:p>
+        </p:txBody>
+      </p:sp>
+      <p:sp>
+        <p:nvSpPr>
+          <p:cNvPr id="5" name="Text 3"/>
+          <p:cNvSpPr/>
+          <p:nvPr/>
+        </p:nvSpPr>
+        <p:spPr>
+          <a:xfrm>
+            <a:off x="793790" y="3927753"/>
+            <a:ext cx="6244709" cy="725805"/>
+          </a:xfrm>
+          <a:prstGeom prst="rect">
+            <a:avLst/>
+          </a:prstGeom>
+          <a:noFill/>
+          <a:ln/>
+        </p:spPr>
+        <p:txBody>
+          <a:bodyPr wrap="square" lIns="0" tIns="0" rIns="0" bIns="0" rtlCol="0" anchor="t"/>
+          <a:lstStyle/>
+          <a:p>
+            <a:pPr marL="342900" indent="-342900" algn="l">
+              <a:lnSpc>
+                <a:spcPts val="2850"/>
+              </a:lnSpc>
+              <a:buSzPct val="100000"/>
+              <a:buChar char="•"/>
+            </a:pPr>
+            <a:r>
+              <a:rPr lang="en-US" sz="1750" dirty="0">
+                <a:solidFill>
+                  <a:srgbClr val="DAD1E6"/>
+                </a:solidFill>
+                <a:latin typeface="Fira Sans" pitchFamily="34" charset="0"/>
+                <a:ea typeface="Fira Sans" pitchFamily="34" charset="-122"/>
+                <a:cs typeface="Fira Sans" pitchFamily="34" charset="-120"/>
+              </a:rPr>
+              <a:t>Favorire connessioni tra persone con interessi e passioni comuni.</a:t>
+            </a:r>
+            <a:endParaRPr lang="en-US" sz="1750" dirty="0"/>
+          </a:p>
+        </p:txBody>
+      </p:sp>
+      <p:sp>
+        <p:nvSpPr>
+          <p:cNvPr id="6" name="Text 4"/>
+          <p:cNvSpPr/>
+          <p:nvPr/>
+        </p:nvSpPr>
+        <p:spPr>
+          <a:xfrm>
+            <a:off x="793790" y="4732854"/>
+            <a:ext cx="6244709" cy="725805"/>
+          </a:xfrm>
+          <a:prstGeom prst="rect">
+            <a:avLst/>
+          </a:prstGeom>
+          <a:noFill/>
+          <a:ln/>
+        </p:spPr>
+        <p:txBody>
+          <a:bodyPr wrap="square" lIns="0" tIns="0" rIns="0" bIns="0" rtlCol="0" anchor="t"/>
+          <a:lstStyle/>
+          <a:p>
+            <a:pPr marL="342900" indent="-342900" algn="l">
+              <a:lnSpc>
+                <a:spcPts val="2850"/>
+              </a:lnSpc>
+              <a:buSzPct val="100000"/>
+              <a:buChar char="•"/>
+            </a:pPr>
+            <a:r>
+              <a:rPr lang="en-US" sz="1750" dirty="0">
+                <a:solidFill>
+                  <a:srgbClr val="DAD1E6"/>
+                </a:solidFill>
+                <a:latin typeface="Fira Sans" pitchFamily="34" charset="0"/>
+                <a:ea typeface="Fira Sans" pitchFamily="34" charset="-122"/>
+                <a:cs typeface="Fira Sans" pitchFamily="34" charset="-120"/>
+              </a:rPr>
+              <a:t>Creare uno spazio per l'apprendimento collaborativo e il confronto di idee.</a:t>
+            </a:r>
+            <a:endParaRPr lang="en-US" sz="1750" dirty="0"/>
+          </a:p>
+        </p:txBody>
+      </p:sp>
+      <p:sp>
+        <p:nvSpPr>
+          <p:cNvPr id="7" name="Text 5"/>
+          <p:cNvSpPr/>
+          <p:nvPr/>
+        </p:nvSpPr>
+        <p:spPr>
+          <a:xfrm>
+            <a:off x="7599521" y="2470547"/>
+            <a:ext cx="3402330" cy="425291"/>
+          </a:xfrm>
+          <a:prstGeom prst="rect">
+            <a:avLst/>
+          </a:prstGeom>
+          <a:noFill/>
+          <a:ln/>
+        </p:spPr>
+        <p:txBody>
+          <a:bodyPr wrap="none" lIns="0" tIns="0" rIns="0" bIns="0" rtlCol="0" anchor="t"/>
+          <a:lstStyle/>
+          <a:p>
+            <a:pPr marL="0" indent="0" algn="l">
+              <a:lnSpc>
+                <a:spcPts val="3300"/>
+              </a:lnSpc>
+              <a:buNone/>
+            </a:pPr>
+            <a:r>
+              <a:rPr lang="en-US" sz="2650" b="1" dirty="0">
+                <a:solidFill>
+                  <a:srgbClr val="F94CAF"/>
+                </a:solidFill>
+                <a:latin typeface="Inconsolata Bold" pitchFamily="34" charset="0"/>
+                <a:ea typeface="Inconsolata Bold" pitchFamily="34" charset="-122"/>
+                <a:cs typeface="Inconsolata Bold" pitchFamily="34" charset="-120"/>
+              </a:rPr>
+              <a:t>Utenti Target</a:t>
+            </a:r>
+            <a:endParaRPr lang="en-US" sz="2650" dirty="0"/>
+          </a:p>
+        </p:txBody>
+      </p:sp>
+      <p:sp>
+        <p:nvSpPr>
+          <p:cNvPr id="8" name="Text 6"/>
+          <p:cNvSpPr/>
+          <p:nvPr/>
+        </p:nvSpPr>
+        <p:spPr>
+          <a:xfrm>
+            <a:off x="7599521" y="3122653"/>
+            <a:ext cx="6244709" cy="725805"/>
+          </a:xfrm>
+          <a:prstGeom prst="rect">
+            <a:avLst/>
+          </a:prstGeom>
+          <a:noFill/>
+          <a:ln/>
+        </p:spPr>
+        <p:txBody>
+          <a:bodyPr wrap="square" lIns="0" tIns="0" rIns="0" bIns="0" rtlCol="0" anchor="t"/>
+          <a:lstStyle/>
+          <a:p>
+            <a:pPr marL="342900" indent="-342900" algn="l">
+              <a:lnSpc>
+                <a:spcPts val="2850"/>
+              </a:lnSpc>
+              <a:buSzPct val="100000"/>
+              <a:buChar char="•"/>
+            </a:pPr>
+            <a:r>
+              <a:rPr lang="en-US" sz="1750" dirty="0">
+                <a:solidFill>
+                  <a:srgbClr val="DAD1E6"/>
+                </a:solidFill>
+                <a:latin typeface="Fira Sans" pitchFamily="34" charset="0"/>
+                <a:ea typeface="Fira Sans" pitchFamily="34" charset="-122"/>
+                <a:cs typeface="Fira Sans" pitchFamily="34" charset="-120"/>
+              </a:rPr>
+              <a:t>Partecipanti agli eventi TEDx interessati a continuare la discussione oltre all'evento dal vivo.</a:t>
+            </a:r>
+            <a:endParaRPr lang="en-US" sz="1750" dirty="0"/>
+          </a:p>
+        </p:txBody>
+      </p:sp>
+      <p:sp>
+        <p:nvSpPr>
+          <p:cNvPr id="9" name="Text 7"/>
+          <p:cNvSpPr/>
+          <p:nvPr/>
+        </p:nvSpPr>
+        <p:spPr>
+          <a:xfrm>
+            <a:off x="7599521" y="3927753"/>
+            <a:ext cx="6244709" cy="725805"/>
+          </a:xfrm>
+          <a:prstGeom prst="rect">
+            <a:avLst/>
+          </a:prstGeom>
+          <a:noFill/>
+          <a:ln/>
+        </p:spPr>
+        <p:txBody>
+          <a:bodyPr wrap="square" lIns="0" tIns="0" rIns="0" bIns="0" rtlCol="0" anchor="t"/>
+          <a:lstStyle/>
+          <a:p>
+            <a:pPr marL="342900" indent="-342900" algn="l">
+              <a:lnSpc>
+                <a:spcPts val="2850"/>
+              </a:lnSpc>
+              <a:buSzPct val="100000"/>
+              <a:buChar char="•"/>
+            </a:pPr>
+            <a:r>
+              <a:rPr lang="en-US" sz="1750" dirty="0">
+                <a:solidFill>
+                  <a:srgbClr val="DAD1E6"/>
+                </a:solidFill>
+                <a:latin typeface="Fira Sans" pitchFamily="34" charset="0"/>
+                <a:ea typeface="Fira Sans" pitchFamily="34" charset="-122"/>
+                <a:cs typeface="Fira Sans" pitchFamily="34" charset="-120"/>
+              </a:rPr>
+              <a:t>Studenti e giovani in cerca di opportunità di networking e crescita personale.</a:t>
+            </a:r>
+            <a:endParaRPr lang="en-US" sz="1750" dirty="0"/>
+          </a:p>
+        </p:txBody>
+      </p:sp>
+      <p:sp>
+        <p:nvSpPr>
+          <p:cNvPr id="10" name="Text 8"/>
+          <p:cNvSpPr/>
+          <p:nvPr/>
+        </p:nvSpPr>
+        <p:spPr>
+          <a:xfrm>
+            <a:off x="7599521" y="4732854"/>
+            <a:ext cx="6244709" cy="1088708"/>
+          </a:xfrm>
+          <a:prstGeom prst="rect">
+            <a:avLst/>
+          </a:prstGeom>
+          <a:noFill/>
+          <a:ln/>
+        </p:spPr>
+        <p:txBody>
+          <a:bodyPr wrap="square" lIns="0" tIns="0" rIns="0" bIns="0" rtlCol="0" anchor="t"/>
+          <a:lstStyle/>
+          <a:p>
+            <a:pPr marL="342900" indent="-342900" algn="l">
+              <a:lnSpc>
+                <a:spcPts val="2850"/>
+              </a:lnSpc>
+              <a:buSzPct val="100000"/>
+              <a:buChar char="•"/>
+            </a:pPr>
+            <a:r>
+              <a:rPr lang="en-US" sz="1750" dirty="0">
+                <a:solidFill>
+                  <a:srgbClr val="DAD1E6"/>
+                </a:solidFill>
+                <a:latin typeface="Fira Sans" pitchFamily="34" charset="0"/>
+                <a:ea typeface="Fira Sans" pitchFamily="34" charset="-122"/>
+                <a:cs typeface="Fira Sans" pitchFamily="34" charset="-120"/>
+              </a:rPr>
+              <a:t>Appassionati di TEDx e divulgatori scientifici/culturali intenzionati a condividere e approfondire argomenti e idee.</a:t>
+            </a:r>
+            <a:endParaRPr lang="en-US" sz="1750" dirty="0"/>
+          </a:p>
+        </p:txBody>
+      </p:sp>
+      <p:sp>
+        <p:nvSpPr>
+          <p:cNvPr id="11" name="Rettangolo 10">
+            <a:extLst>
+              <a:ext uri="{FF2B5EF4-FFF2-40B4-BE49-F238E27FC236}">
+                <a16:creationId xmlns:a16="http://schemas.microsoft.com/office/drawing/2014/main" id="{EFCCD0C0-BC80-C007-CCDC-4732F3425130}"/>
+              </a:ext>
+            </a:extLst>
+          </p:cNvPr>
+          <p:cNvSpPr/>
+          <p:nvPr/>
+        </p:nvSpPr>
+        <p:spPr>
+          <a:xfrm>
+            <a:off x="12814126" y="7515616"/>
+            <a:ext cx="1816274" cy="713984"/>
+          </a:xfrm>
+          <a:prstGeom prst="rect">
+            <a:avLst/>
+          </a:prstGeom>
+          <a:solidFill>
+            <a:srgbClr val="241630"/>
+          </a:solidFill>
+          <a:ln>
+            <a:noFill/>
+          </a:ln>
+        </p:spPr>
+        <p:style>
+          <a:lnRef idx="2">
+            <a:schemeClr val="accent1">
+              <a:shade val="15000"/>
+            </a:schemeClr>
+          </a:lnRef>
+          <a:fillRef idx="1">
+            <a:schemeClr val="accent1"/>
+          </a:fillRef>
+          <a:effectRef idx="0">
+            <a:schemeClr val="accent1"/>
+          </a:effectRef>
+          <a:fontRef idx="minor">
+            <a:schemeClr val="lt1"/>
+          </a:fontRef>
+        </p:style>
+        <p:txBody>
+          <a:bodyPr rtlCol="0" anchor="ctr"/>
+          <a:lstStyle/>
+          <a:p>
+            <a:pPr algn="ctr"/>
+            <a:endParaRPr lang="it-IT"/>
+          </a:p>
+        </p:txBody>
+      </p:sp>
+    </p:spTree>
+  </p:cSld>
+  <p:clrMapOvr>
+    <a:masterClrMapping/>
+  </p:clrMapOvr>
+</p:sld>
+</file>
+
+<file path=ppt/slides/slide4.xml><?xml version="1.0" encoding="utf-8"?>
+<p:sld xmlns:a="http://schemas.openxmlformats.org/drawingml/2006/main" xmlns:r="http://schemas.openxmlformats.org/officeDocument/2006/relationships" xmlns:p="http://schemas.openxmlformats.org/presentationml/2006/main">
+  <p:cSld>
+    <p:spTree>
+      <p:nvGrpSpPr>
+        <p:cNvPr id="1" name=""/>
+        <p:cNvGrpSpPr/>
+        <p:nvPr/>
+      </p:nvGrpSpPr>
+      <p:grpSpPr>
+        <a:xfrm>
+          <a:off x="0" y="0"/>
+          <a:ext cx="0" cy="0"/>
+          <a:chOff x="0" y="0"/>
+          <a:chExt cx="0" cy="0"/>
+        </a:xfrm>
+      </p:grpSpPr>
+      <p:sp>
+        <p:nvSpPr>
+          <p:cNvPr id="2" name="Text 0"/>
+          <p:cNvSpPr/>
+          <p:nvPr/>
+        </p:nvSpPr>
+        <p:spPr>
+          <a:xfrm>
+            <a:off x="793790" y="973693"/>
+            <a:ext cx="5590223" cy="481965"/>
+          </a:xfrm>
+          <a:prstGeom prst="rect">
+            <a:avLst/>
+          </a:prstGeom>
+          <a:noFill/>
+          <a:ln/>
+        </p:spPr>
+        <p:txBody>
+          <a:bodyPr wrap="none" lIns="0" tIns="0" rIns="0" bIns="0" rtlCol="0" anchor="t"/>
+          <a:lstStyle/>
+          <a:p>
+            <a:pPr marL="0" indent="0" algn="l">
+              <a:lnSpc>
+                <a:spcPts val="3750"/>
+              </a:lnSpc>
+              <a:buNone/>
+            </a:pPr>
+            <a:r>
+              <a:rPr lang="en-US" sz="3000" b="1" dirty="0">
+                <a:solidFill>
+                  <a:srgbClr val="F94CAF"/>
+                </a:solidFill>
+                <a:latin typeface="Inconsolata Bold" pitchFamily="34" charset="0"/>
+                <a:ea typeface="Inconsolata Bold" pitchFamily="34" charset="-122"/>
+                <a:cs typeface="Inconsolata Bold" pitchFamily="34" charset="-120"/>
+              </a:rPr>
+              <a:t>I Punti di Forza di TedxMatch</a:t>
+            </a:r>
+            <a:endParaRPr lang="en-US" sz="3000" dirty="0"/>
+          </a:p>
+        </p:txBody>
+      </p:sp>
+      <p:sp>
+        <p:nvSpPr>
+          <p:cNvPr id="3" name="Text 1"/>
+          <p:cNvSpPr/>
+          <p:nvPr/>
+        </p:nvSpPr>
+        <p:spPr>
+          <a:xfrm>
+            <a:off x="793790" y="1841183"/>
+            <a:ext cx="13042821" cy="308372"/>
+          </a:xfrm>
+          <a:prstGeom prst="rect">
+            <a:avLst/>
+          </a:prstGeom>
+          <a:noFill/>
+          <a:ln/>
+        </p:spPr>
+        <p:txBody>
+          <a:bodyPr wrap="none" lIns="0" tIns="0" rIns="0" bIns="0" rtlCol="0" anchor="t"/>
+          <a:lstStyle/>
+          <a:p>
+            <a:pPr marL="0" indent="0" algn="l">
+              <a:lnSpc>
+                <a:spcPts val="2400"/>
+              </a:lnSpc>
+              <a:buNone/>
+            </a:pPr>
+            <a:r>
+              <a:rPr lang="en-US" sz="1500" dirty="0">
+                <a:solidFill>
+                  <a:srgbClr val="DAD1E6"/>
+                </a:solidFill>
+                <a:latin typeface="Fira Sans" pitchFamily="34" charset="0"/>
+                <a:ea typeface="Fira Sans" pitchFamily="34" charset="-122"/>
+                <a:cs typeface="Fira Sans" pitchFamily="34" charset="-120"/>
+              </a:rPr>
+              <a:t>La nostra app offre una serie di vantaggi, pensati per migliorare l'esperienza dei TEDx Talks e ampliare la comunità in modo coinvolgente.</a:t>
+            </a:r>
+            <a:endParaRPr lang="en-US" sz="1500" dirty="0"/>
+          </a:p>
+        </p:txBody>
+      </p:sp>
+      <p:pic>
+        <p:nvPicPr>
+          <p:cNvPr id="4" name="Image 0" descr="preencoded.png"/>
+          <p:cNvPicPr>
+            <a:picLocks noChangeAspect="1"/>
+          </p:cNvPicPr>
+          <p:nvPr/>
+        </p:nvPicPr>
+        <p:blipFill>
+          <a:blip r:embed="rId3"/>
+          <a:stretch>
+            <a:fillRect/>
+          </a:stretch>
+        </p:blipFill>
+        <p:spPr>
+          <a:xfrm>
+            <a:off x="793790" y="2366367"/>
+            <a:ext cx="963930" cy="1156811"/>
+          </a:xfrm>
+          <a:prstGeom prst="rect">
+            <a:avLst/>
+          </a:prstGeom>
+        </p:spPr>
+      </p:pic>
+      <p:sp>
+        <p:nvSpPr>
+          <p:cNvPr id="5" name="Text 2"/>
+          <p:cNvSpPr/>
+          <p:nvPr/>
+        </p:nvSpPr>
+        <p:spPr>
+          <a:xfrm>
+            <a:off x="1950482" y="2559129"/>
+            <a:ext cx="2409944" cy="301228"/>
+          </a:xfrm>
+          <a:prstGeom prst="rect">
+            <a:avLst/>
+          </a:prstGeom>
+          <a:noFill/>
+          <a:ln/>
+        </p:spPr>
+        <p:txBody>
+          <a:bodyPr wrap="none" lIns="0" tIns="0" rIns="0" bIns="0" rtlCol="0" anchor="t"/>
+          <a:lstStyle/>
+          <a:p>
+            <a:pPr marL="0" indent="0" algn="l">
+              <a:lnSpc>
+                <a:spcPts val="2350"/>
+              </a:lnSpc>
+              <a:buNone/>
+            </a:pPr>
+            <a:r>
+              <a:rPr lang="en-US" sz="1850" b="1" dirty="0">
+                <a:solidFill>
+                  <a:srgbClr val="DAD1E6"/>
+                </a:solidFill>
+                <a:latin typeface="Inconsolata Bold" pitchFamily="34" charset="0"/>
+                <a:ea typeface="Inconsolata Bold" pitchFamily="34" charset="-122"/>
+                <a:cs typeface="Inconsolata Bold" pitchFamily="34" charset="-120"/>
+              </a:rPr>
+              <a:t>Match Intelligente</a:t>
+            </a:r>
+            <a:endParaRPr lang="en-US" sz="1850" dirty="0"/>
+          </a:p>
+        </p:txBody>
+      </p:sp>
+      <p:sp>
+        <p:nvSpPr>
+          <p:cNvPr id="6" name="Text 3"/>
+          <p:cNvSpPr/>
+          <p:nvPr/>
+        </p:nvSpPr>
+        <p:spPr>
+          <a:xfrm>
+            <a:off x="1950482" y="2975967"/>
+            <a:ext cx="11886128" cy="308372"/>
+          </a:xfrm>
+          <a:prstGeom prst="rect">
+            <a:avLst/>
+          </a:prstGeom>
+          <a:noFill/>
+          <a:ln/>
+        </p:spPr>
+        <p:txBody>
+          <a:bodyPr wrap="none" lIns="0" tIns="0" rIns="0" bIns="0" rtlCol="0" anchor="t"/>
+          <a:lstStyle/>
+          <a:p>
+            <a:pPr marL="0" indent="0" algn="l">
+              <a:lnSpc>
+                <a:spcPts val="2400"/>
+              </a:lnSpc>
+              <a:buNone/>
+            </a:pPr>
+            <a:r>
+              <a:rPr lang="en-US" sz="1500" dirty="0">
+                <a:solidFill>
+                  <a:srgbClr val="DAD1E6"/>
+                </a:solidFill>
+                <a:latin typeface="Fira Sans" pitchFamily="34" charset="0"/>
+                <a:ea typeface="Fira Sans" pitchFamily="34" charset="-122"/>
+                <a:cs typeface="Fira Sans" pitchFamily="34" charset="-120"/>
+              </a:rPr>
+              <a:t>Connessioni mirate basate sui topic TEDx preferiti, che permettono di conoscere persone nuove con interessi simili.</a:t>
+            </a:r>
+            <a:endParaRPr lang="en-US" sz="1500" dirty="0"/>
+          </a:p>
+        </p:txBody>
+      </p:sp>
+      <p:pic>
+        <p:nvPicPr>
+          <p:cNvPr id="7" name="Image 1" descr="preencoded.png"/>
+          <p:cNvPicPr>
+            <a:picLocks noChangeAspect="1"/>
+          </p:cNvPicPr>
+          <p:nvPr/>
+        </p:nvPicPr>
+        <p:blipFill>
+          <a:blip r:embed="rId4"/>
+          <a:stretch>
+            <a:fillRect/>
+          </a:stretch>
+        </p:blipFill>
+        <p:spPr>
+          <a:xfrm>
+            <a:off x="793790" y="3523178"/>
+            <a:ext cx="963930" cy="1156811"/>
+          </a:xfrm>
+          <a:prstGeom prst="rect">
+            <a:avLst/>
+          </a:prstGeom>
+        </p:spPr>
+      </p:pic>
+      <p:sp>
+        <p:nvSpPr>
+          <p:cNvPr id="8" name="Text 4"/>
+          <p:cNvSpPr/>
+          <p:nvPr/>
+        </p:nvSpPr>
+        <p:spPr>
+          <a:xfrm>
+            <a:off x="1950482" y="3715941"/>
+            <a:ext cx="2409944" cy="301228"/>
+          </a:xfrm>
+          <a:prstGeom prst="rect">
+            <a:avLst/>
+          </a:prstGeom>
+          <a:noFill/>
+          <a:ln/>
+        </p:spPr>
+        <p:txBody>
+          <a:bodyPr wrap="none" lIns="0" tIns="0" rIns="0" bIns="0" rtlCol="0" anchor="t"/>
+          <a:lstStyle/>
+          <a:p>
+            <a:pPr marL="0" indent="0" algn="l">
+              <a:lnSpc>
+                <a:spcPts val="2350"/>
+              </a:lnSpc>
+              <a:buNone/>
+            </a:pPr>
+            <a:r>
+              <a:rPr lang="en-US" sz="1850" b="1" dirty="0">
+                <a:solidFill>
+                  <a:srgbClr val="DAD1E6"/>
+                </a:solidFill>
+                <a:latin typeface="Inconsolata Bold" pitchFamily="34" charset="0"/>
+                <a:ea typeface="Inconsolata Bold" pitchFamily="34" charset="-122"/>
+                <a:cs typeface="Inconsolata Bold" pitchFamily="34" charset="-120"/>
+              </a:rPr>
+              <a:t>Esperienza Estesa</a:t>
+            </a:r>
+            <a:endParaRPr lang="en-US" sz="1850" dirty="0"/>
+          </a:p>
+        </p:txBody>
+      </p:sp>
+      <p:sp>
+        <p:nvSpPr>
+          <p:cNvPr id="9" name="Text 5"/>
+          <p:cNvSpPr/>
+          <p:nvPr/>
+        </p:nvSpPr>
+        <p:spPr>
+          <a:xfrm>
+            <a:off x="1950482" y="4132778"/>
+            <a:ext cx="11886128" cy="308372"/>
+          </a:xfrm>
+          <a:prstGeom prst="rect">
+            <a:avLst/>
+          </a:prstGeom>
+          <a:noFill/>
+          <a:ln/>
+        </p:spPr>
+        <p:txBody>
+          <a:bodyPr wrap="none" lIns="0" tIns="0" rIns="0" bIns="0" rtlCol="0" anchor="t"/>
+          <a:lstStyle/>
+          <a:p>
+            <a:pPr marL="0" indent="0" algn="l">
+              <a:lnSpc>
+                <a:spcPts val="2400"/>
+              </a:lnSpc>
+              <a:buNone/>
+            </a:pPr>
+            <a:r>
+              <a:rPr lang="en-US" sz="1500" dirty="0">
+                <a:solidFill>
+                  <a:srgbClr val="DAD1E6"/>
+                </a:solidFill>
+                <a:latin typeface="Fira Sans" pitchFamily="34" charset="0"/>
+                <a:ea typeface="Fira Sans" pitchFamily="34" charset="-122"/>
+                <a:cs typeface="Fira Sans" pitchFamily="34" charset="-120"/>
+              </a:rPr>
+              <a:t>Prolungamento dell'impatto dei Talks con interazioni continue, approfondimenti e discussioni che vanno oltre l'evento dal vivo.</a:t>
+            </a:r>
+            <a:endParaRPr lang="en-US" sz="1500" dirty="0"/>
+          </a:p>
+        </p:txBody>
+      </p:sp>
+      <p:pic>
+        <p:nvPicPr>
+          <p:cNvPr id="10" name="Image 2" descr="preencoded.png"/>
+          <p:cNvPicPr>
+            <a:picLocks noChangeAspect="1"/>
+          </p:cNvPicPr>
+          <p:nvPr/>
+        </p:nvPicPr>
+        <p:blipFill>
+          <a:blip r:embed="rId5"/>
+          <a:stretch>
+            <a:fillRect/>
+          </a:stretch>
+        </p:blipFill>
+        <p:spPr>
+          <a:xfrm>
+            <a:off x="793790" y="4679990"/>
+            <a:ext cx="963930" cy="1156811"/>
+          </a:xfrm>
+          <a:prstGeom prst="rect">
+            <a:avLst/>
+          </a:prstGeom>
+        </p:spPr>
+      </p:pic>
+      <p:sp>
+        <p:nvSpPr>
+          <p:cNvPr id="11" name="Text 6"/>
+          <p:cNvSpPr/>
+          <p:nvPr/>
+        </p:nvSpPr>
+        <p:spPr>
+          <a:xfrm>
+            <a:off x="1950482" y="4872752"/>
+            <a:ext cx="2409944" cy="301228"/>
+          </a:xfrm>
+          <a:prstGeom prst="rect">
+            <a:avLst/>
+          </a:prstGeom>
+          <a:noFill/>
+          <a:ln/>
+        </p:spPr>
+        <p:txBody>
+          <a:bodyPr wrap="none" lIns="0" tIns="0" rIns="0" bIns="0" rtlCol="0" anchor="t"/>
+          <a:lstStyle/>
+          <a:p>
+            <a:pPr marL="0" indent="0" algn="l">
+              <a:lnSpc>
+                <a:spcPts val="2350"/>
+              </a:lnSpc>
+              <a:buNone/>
+            </a:pPr>
+            <a:r>
+              <a:rPr lang="en-US" sz="1850" b="1" dirty="0">
+                <a:solidFill>
+                  <a:srgbClr val="DAD1E6"/>
+                </a:solidFill>
+                <a:latin typeface="Inconsolata Bold" pitchFamily="34" charset="0"/>
+                <a:ea typeface="Inconsolata Bold" pitchFamily="34" charset="-122"/>
+                <a:cs typeface="Inconsolata Bold" pitchFamily="34" charset="-120"/>
+              </a:rPr>
+              <a:t>Focus Specifico</a:t>
+            </a:r>
+            <a:endParaRPr lang="en-US" sz="1850" dirty="0"/>
+          </a:p>
+        </p:txBody>
+      </p:sp>
+      <p:sp>
+        <p:nvSpPr>
+          <p:cNvPr id="12" name="Text 7"/>
+          <p:cNvSpPr/>
+          <p:nvPr/>
+        </p:nvSpPr>
+        <p:spPr>
+          <a:xfrm>
+            <a:off x="1950482" y="5289590"/>
+            <a:ext cx="11886128" cy="308372"/>
+          </a:xfrm>
+          <a:prstGeom prst="rect">
+            <a:avLst/>
+          </a:prstGeom>
+          <a:noFill/>
+          <a:ln/>
+        </p:spPr>
+        <p:txBody>
+          <a:bodyPr wrap="none" lIns="0" tIns="0" rIns="0" bIns="0" rtlCol="0" anchor="t"/>
+          <a:lstStyle/>
+          <a:p>
+            <a:pPr marL="0" indent="0" algn="l">
+              <a:lnSpc>
+                <a:spcPts val="2400"/>
+              </a:lnSpc>
+              <a:buNone/>
+            </a:pPr>
+            <a:r>
+              <a:rPr lang="en-US" sz="1500" dirty="0">
+                <a:solidFill>
+                  <a:srgbClr val="DAD1E6"/>
+                </a:solidFill>
+                <a:latin typeface="Fira Sans" pitchFamily="34" charset="0"/>
+                <a:ea typeface="Fira Sans" pitchFamily="34" charset="-122"/>
+                <a:cs typeface="Fira Sans" pitchFamily="34" charset="-120"/>
+              </a:rPr>
+              <a:t>Non è un social generico, ma un ambiente costruito per valorizzare i contenuti TEDx, progettato con funzionalità pensate per i talk.</a:t>
+            </a:r>
+            <a:endParaRPr lang="en-US" sz="1500" dirty="0"/>
+          </a:p>
+        </p:txBody>
+      </p:sp>
+      <p:pic>
+        <p:nvPicPr>
+          <p:cNvPr id="13" name="Image 3" descr="preencoded.png"/>
+          <p:cNvPicPr>
+            <a:picLocks noChangeAspect="1"/>
+          </p:cNvPicPr>
+          <p:nvPr/>
+        </p:nvPicPr>
+        <p:blipFill>
+          <a:blip r:embed="rId6"/>
+          <a:stretch>
+            <a:fillRect/>
+          </a:stretch>
+        </p:blipFill>
+        <p:spPr>
+          <a:xfrm>
+            <a:off x="793790" y="5836801"/>
+            <a:ext cx="963930" cy="1419106"/>
+          </a:xfrm>
+          <a:prstGeom prst="rect">
+            <a:avLst/>
+          </a:prstGeom>
+        </p:spPr>
+      </p:pic>
+      <p:sp>
+        <p:nvSpPr>
+          <p:cNvPr id="14" name="Text 8"/>
+          <p:cNvSpPr/>
+          <p:nvPr/>
+        </p:nvSpPr>
+        <p:spPr>
+          <a:xfrm>
+            <a:off x="1950482" y="6029563"/>
+            <a:ext cx="2409944" cy="301228"/>
+          </a:xfrm>
+          <a:prstGeom prst="rect">
+            <a:avLst/>
+          </a:prstGeom>
+          <a:noFill/>
+          <a:ln/>
+        </p:spPr>
+        <p:txBody>
+          <a:bodyPr wrap="none" lIns="0" tIns="0" rIns="0" bIns="0" rtlCol="0" anchor="t"/>
+          <a:lstStyle/>
+          <a:p>
+            <a:pPr marL="0" indent="0" algn="l">
+              <a:lnSpc>
+                <a:spcPts val="2350"/>
+              </a:lnSpc>
+              <a:buNone/>
+            </a:pPr>
+            <a:r>
+              <a:rPr lang="en-US" sz="1850" b="1" dirty="0">
+                <a:solidFill>
+                  <a:srgbClr val="DAD1E6"/>
+                </a:solidFill>
+                <a:latin typeface="Inconsolata Bold" pitchFamily="34" charset="0"/>
+                <a:ea typeface="Inconsolata Bold" pitchFamily="34" charset="-122"/>
+                <a:cs typeface="Inconsolata Bold" pitchFamily="34" charset="-120"/>
+              </a:rPr>
+              <a:t>Community di qualità</a:t>
+            </a:r>
+            <a:endParaRPr lang="en-US" sz="1850" dirty="0"/>
+          </a:p>
+        </p:txBody>
+      </p:sp>
+      <p:sp>
+        <p:nvSpPr>
+          <p:cNvPr id="15" name="Text 9"/>
+          <p:cNvSpPr/>
+          <p:nvPr/>
+        </p:nvSpPr>
+        <p:spPr>
+          <a:xfrm>
+            <a:off x="1950482" y="6446401"/>
+            <a:ext cx="11886128" cy="616744"/>
+          </a:xfrm>
+          <a:prstGeom prst="rect">
+            <a:avLst/>
+          </a:prstGeom>
+          <a:noFill/>
+          <a:ln/>
+        </p:spPr>
+        <p:txBody>
+          <a:bodyPr wrap="square" lIns="0" tIns="0" rIns="0" bIns="0" rtlCol="0" anchor="t"/>
+          <a:lstStyle/>
+          <a:p>
+            <a:pPr marL="0" indent="0" algn="l">
+              <a:lnSpc>
+                <a:spcPts val="2400"/>
+              </a:lnSpc>
+              <a:buNone/>
+            </a:pPr>
+            <a:r>
+              <a:rPr lang="en-US" sz="1500" dirty="0">
+                <a:solidFill>
+                  <a:srgbClr val="DAD1E6"/>
+                </a:solidFill>
+                <a:latin typeface="Fira Sans" pitchFamily="34" charset="0"/>
+                <a:ea typeface="Fira Sans" pitchFamily="34" charset="-122"/>
+                <a:cs typeface="Fira Sans" pitchFamily="34" charset="-120"/>
+              </a:rPr>
+              <a:t>L’attenzione è rivolta a un pubblico interessato a innovazione, cultura e crescita personale.Questo consente di avere una community di qualità, riducendo contenuti non pertinenti e aumentando il valore delle connessioni</a:t>
+            </a:r>
+            <a:endParaRPr lang="en-US" sz="1500" dirty="0"/>
+          </a:p>
+        </p:txBody>
+      </p:sp>
+      <p:sp>
+        <p:nvSpPr>
+          <p:cNvPr id="16" name="Rettangolo 15">
+            <a:extLst>
+              <a:ext uri="{FF2B5EF4-FFF2-40B4-BE49-F238E27FC236}">
+                <a16:creationId xmlns:a16="http://schemas.microsoft.com/office/drawing/2014/main" id="{8D71FE8D-6D5A-FAD8-7274-4C6B783405BA}"/>
+              </a:ext>
+            </a:extLst>
+          </p:cNvPr>
+          <p:cNvSpPr/>
+          <p:nvPr/>
+        </p:nvSpPr>
+        <p:spPr>
+          <a:xfrm>
+            <a:off x="12814126" y="7515616"/>
+            <a:ext cx="1816274" cy="713984"/>
+          </a:xfrm>
+          <a:prstGeom prst="rect">
+            <a:avLst/>
+          </a:prstGeom>
+          <a:solidFill>
+            <a:srgbClr val="241630"/>
+          </a:solidFill>
+          <a:ln>
+            <a:noFill/>
+          </a:ln>
+        </p:spPr>
+        <p:style>
+          <a:lnRef idx="2">
+            <a:schemeClr val="accent1">
+              <a:shade val="15000"/>
+            </a:schemeClr>
+          </a:lnRef>
+          <a:fillRef idx="1">
+            <a:schemeClr val="accent1"/>
+          </a:fillRef>
+          <a:effectRef idx="0">
+            <a:schemeClr val="accent1"/>
+          </a:effectRef>
+          <a:fontRef idx="minor">
+            <a:schemeClr val="lt1"/>
+          </a:fontRef>
+        </p:style>
+        <p:txBody>
+          <a:bodyPr rtlCol="0" anchor="ctr"/>
+          <a:lstStyle/>
+          <a:p>
+            <a:pPr algn="ctr"/>
+            <a:endParaRPr lang="it-IT"/>
+          </a:p>
+        </p:txBody>
+      </p:sp>
+    </p:spTree>
+  </p:cSld>
+  <p:clrMapOvr>
+    <a:masterClrMapping/>
+  </p:clrMapOvr>
+</p:sld>
+</file>
+
+<file path=ppt/slides/slide5.xml><?xml version="1.0" encoding="utf-8"?>
+<p:sld xmlns:a="http://schemas.openxmlformats.org/drawingml/2006/main" xmlns:r="http://schemas.openxmlformats.org/officeDocument/2006/relationships" xmlns:p="http://schemas.openxmlformats.org/presentationml/2006/main">
   <p:cSld name="Slide 3">
     <p:spTree>
       <p:nvGrpSpPr>
@@ -2928,7 +4345,7 @@
 </p:sld>
 </file>
 
-<file path=ppt/slides/slide4.xml><?xml version="1.0" encoding="utf-8"?>
+<file path=ppt/slides/slide6.xml><?xml version="1.0" encoding="utf-8"?>
 <p:sld xmlns:a="http://schemas.openxmlformats.org/drawingml/2006/main" xmlns:r="http://schemas.openxmlformats.org/officeDocument/2006/relationships" xmlns:p="http://schemas.openxmlformats.org/presentationml/2006/main">
   <p:cSld name="Slide 4">
     <p:spTree>
@@ -4032,7 +5449,1146 @@
 </p:sld>
 </file>
 
-<file path=ppt/slides/slide5.xml><?xml version="1.0" encoding="utf-8"?>
+<file path=ppt/slides/slide7.xml><?xml version="1.0" encoding="utf-8"?>
+<p:sld xmlns:a="http://schemas.openxmlformats.org/drawingml/2006/main" xmlns:r="http://schemas.openxmlformats.org/officeDocument/2006/relationships" xmlns:p="http://schemas.openxmlformats.org/presentationml/2006/main">
+  <p:cSld>
+    <p:spTree>
+      <p:nvGrpSpPr>
+        <p:cNvPr id="1" name=""/>
+        <p:cNvGrpSpPr/>
+        <p:nvPr/>
+      </p:nvGrpSpPr>
+      <p:grpSpPr>
+        <a:xfrm>
+          <a:off x="0" y="0"/>
+          <a:ext cx="0" cy="0"/>
+          <a:chOff x="0" y="0"/>
+          <a:chExt cx="0" cy="0"/>
+        </a:xfrm>
+      </p:grpSpPr>
+      <p:sp>
+        <p:nvSpPr>
+          <p:cNvPr id="2" name="Text 0"/>
+          <p:cNvSpPr/>
+          <p:nvPr/>
+        </p:nvSpPr>
+        <p:spPr>
+          <a:xfrm>
+            <a:off x="793790" y="665440"/>
+            <a:ext cx="5713571" cy="396835"/>
+          </a:xfrm>
+          <a:prstGeom prst="rect">
+            <a:avLst/>
+          </a:prstGeom>
+          <a:noFill/>
+          <a:ln/>
+        </p:spPr>
+        <p:txBody>
+          <a:bodyPr wrap="none" lIns="0" tIns="0" rIns="0" bIns="0" rtlCol="0" anchor="t"/>
+          <a:lstStyle/>
+          <a:p>
+            <a:pPr marL="0" indent="0" algn="l">
+              <a:lnSpc>
+                <a:spcPts val="3100"/>
+              </a:lnSpc>
+              <a:buNone/>
+            </a:pPr>
+            <a:r>
+              <a:rPr lang="en-US" sz="2500" b="1" dirty="0">
+                <a:solidFill>
+                  <a:srgbClr val="F94CAF"/>
+                </a:solidFill>
+                <a:latin typeface="Inconsolata Bold" pitchFamily="34" charset="0"/>
+                <a:ea typeface="Inconsolata Bold" pitchFamily="34" charset="-122"/>
+                <a:cs typeface="Inconsolata Bold" pitchFamily="34" charset="-120"/>
+              </a:rPr>
+              <a:t>Perché queste scelte architetturali?</a:t>
+            </a:r>
+            <a:endParaRPr lang="en-US" sz="2500" dirty="0"/>
+          </a:p>
+        </p:txBody>
+      </p:sp>
+      <p:sp>
+        <p:nvSpPr>
+          <p:cNvPr id="3" name="Shape 1"/>
+          <p:cNvSpPr/>
+          <p:nvPr/>
+        </p:nvSpPr>
+        <p:spPr>
+          <a:xfrm>
+            <a:off x="793790" y="1379815"/>
+            <a:ext cx="6441996" cy="1817965"/>
+          </a:xfrm>
+          <a:prstGeom prst="roundRect">
+            <a:avLst>
+              <a:gd name="adj" fmla="val 6036"/>
+            </a:avLst>
+          </a:prstGeom>
+          <a:solidFill>
+            <a:srgbClr val="241631"/>
+          </a:solidFill>
+          <a:ln w="22860">
+            <a:solidFill>
+              <a:srgbClr val="5C4E69"/>
+            </a:solidFill>
+            <a:prstDash val="solid"/>
+          </a:ln>
+        </p:spPr>
+        <p:txBody>
+          <a:bodyPr/>
+          <a:lstStyle/>
+          <a:p>
+            <a:endParaRPr lang="it-IT"/>
+          </a:p>
+        </p:txBody>
+      </p:sp>
+      <p:pic>
+        <p:nvPicPr>
+          <p:cNvPr id="4" name="Image 0" descr="preencoded.png"/>
+          <p:cNvPicPr>
+            <a:picLocks noChangeAspect="1"/>
+          </p:cNvPicPr>
+          <p:nvPr/>
+        </p:nvPicPr>
+        <p:blipFill>
+          <a:blip r:embed="rId3"/>
+          <a:stretch>
+            <a:fillRect/>
+          </a:stretch>
+        </p:blipFill>
+        <p:spPr>
+          <a:xfrm>
+            <a:off x="770930" y="1379815"/>
+            <a:ext cx="91440" cy="1817965"/>
+          </a:xfrm>
+          <a:prstGeom prst="rect">
+            <a:avLst/>
+          </a:prstGeom>
+        </p:spPr>
+      </p:pic>
+      <p:sp>
+        <p:nvSpPr>
+          <p:cNvPr id="5" name="Text 2"/>
+          <p:cNvSpPr/>
+          <p:nvPr/>
+        </p:nvSpPr>
+        <p:spPr>
+          <a:xfrm>
+            <a:off x="1043940" y="1561386"/>
+            <a:ext cx="4760595" cy="248007"/>
+          </a:xfrm>
+          <a:prstGeom prst="rect">
+            <a:avLst/>
+          </a:prstGeom>
+          <a:noFill/>
+          <a:ln/>
+        </p:spPr>
+        <p:txBody>
+          <a:bodyPr wrap="none" lIns="0" tIns="0" rIns="0" bIns="0" rtlCol="0" anchor="t"/>
+          <a:lstStyle/>
+          <a:p>
+            <a:pPr marL="0" indent="0" algn="l">
+              <a:lnSpc>
+                <a:spcPts val="1950"/>
+              </a:lnSpc>
+              <a:buNone/>
+            </a:pPr>
+            <a:r>
+              <a:rPr lang="en-US" sz="1550" b="1" dirty="0">
+                <a:solidFill>
+                  <a:srgbClr val="DAD1E6"/>
+                </a:solidFill>
+                <a:latin typeface="Inconsolata Bold" pitchFamily="34" charset="0"/>
+                <a:ea typeface="Inconsolata Bold" pitchFamily="34" charset="-122"/>
+                <a:cs typeface="Inconsolata Bold" pitchFamily="34" charset="-120"/>
+              </a:rPr>
+              <a:t>Sicurezza e Accesso Controllato (Amazon Cognito)</a:t>
+            </a:r>
+            <a:endParaRPr lang="en-US" sz="1550" dirty="0"/>
+          </a:p>
+        </p:txBody>
+      </p:sp>
+      <p:sp>
+        <p:nvSpPr>
+          <p:cNvPr id="6" name="Text 3"/>
+          <p:cNvSpPr/>
+          <p:nvPr/>
+        </p:nvSpPr>
+        <p:spPr>
+          <a:xfrm>
+            <a:off x="1043940" y="1904643"/>
+            <a:ext cx="6010275" cy="762238"/>
+          </a:xfrm>
+          <a:prstGeom prst="rect">
+            <a:avLst/>
+          </a:prstGeom>
+          <a:noFill/>
+          <a:ln/>
+        </p:spPr>
+        <p:txBody>
+          <a:bodyPr wrap="square" lIns="0" tIns="0" rIns="0" bIns="0" rtlCol="0" anchor="t"/>
+          <a:lstStyle/>
+          <a:p>
+            <a:pPr marL="0" indent="0" algn="l">
+              <a:lnSpc>
+                <a:spcPts val="2000"/>
+              </a:lnSpc>
+              <a:buNone/>
+            </a:pPr>
+            <a:r>
+              <a:rPr lang="en-US" sz="1250" dirty="0">
+                <a:solidFill>
+                  <a:srgbClr val="DAD1E6"/>
+                </a:solidFill>
+                <a:latin typeface="Fira Sans" pitchFamily="34" charset="0"/>
+                <a:ea typeface="Fira Sans" pitchFamily="34" charset="-122"/>
+                <a:cs typeface="Fira Sans" pitchFamily="34" charset="-120"/>
+              </a:rPr>
+              <a:t>Garantisce l'autenticazione sicura degli utenti tramite Multi Factor Authentication.Permette di verificare l'età, essenziale per mantenere un ambiente riservato ai maggiorenni.</a:t>
+            </a:r>
+            <a:endParaRPr lang="en-US" sz="1250" dirty="0"/>
+          </a:p>
+        </p:txBody>
+      </p:sp>
+      <p:sp>
+        <p:nvSpPr>
+          <p:cNvPr id="7" name="Text 4"/>
+          <p:cNvSpPr/>
+          <p:nvPr/>
+        </p:nvSpPr>
+        <p:spPr>
+          <a:xfrm>
+            <a:off x="1043940" y="2762131"/>
+            <a:ext cx="6010275" cy="254079"/>
+          </a:xfrm>
+          <a:prstGeom prst="rect">
+            <a:avLst/>
+          </a:prstGeom>
+          <a:noFill/>
+          <a:ln/>
+        </p:spPr>
+        <p:txBody>
+          <a:bodyPr wrap="none" lIns="0" tIns="0" rIns="0" bIns="0" rtlCol="0" anchor="t"/>
+          <a:lstStyle/>
+          <a:p>
+            <a:pPr marL="0" indent="0" algn="l">
+              <a:lnSpc>
+                <a:spcPts val="2000"/>
+              </a:lnSpc>
+              <a:buNone/>
+            </a:pPr>
+            <a:r>
+              <a:rPr lang="en-US" sz="1250" dirty="0">
+                <a:solidFill>
+                  <a:srgbClr val="DAD1E6"/>
+                </a:solidFill>
+                <a:latin typeface="Fira Sans" pitchFamily="34" charset="0"/>
+                <a:ea typeface="Fira Sans" pitchFamily="34" charset="-122"/>
+                <a:cs typeface="Fira Sans" pitchFamily="34" charset="-120"/>
+              </a:rPr>
+              <a:t>Permette di facilitare le procedure di autenticazione introducendo il social login </a:t>
+            </a:r>
+            <a:endParaRPr lang="en-US" sz="1250" dirty="0"/>
+          </a:p>
+        </p:txBody>
+      </p:sp>
+      <p:sp>
+        <p:nvSpPr>
+          <p:cNvPr id="8" name="Shape 5"/>
+          <p:cNvSpPr/>
+          <p:nvPr/>
+        </p:nvSpPr>
+        <p:spPr>
+          <a:xfrm>
+            <a:off x="7394496" y="1379815"/>
+            <a:ext cx="6442115" cy="1817965"/>
+          </a:xfrm>
+          <a:prstGeom prst="roundRect">
+            <a:avLst>
+              <a:gd name="adj" fmla="val 6036"/>
+            </a:avLst>
+          </a:prstGeom>
+          <a:solidFill>
+            <a:srgbClr val="241631"/>
+          </a:solidFill>
+          <a:ln w="22860">
+            <a:solidFill>
+              <a:srgbClr val="5C4E69"/>
+            </a:solidFill>
+            <a:prstDash val="solid"/>
+          </a:ln>
+        </p:spPr>
+        <p:txBody>
+          <a:bodyPr/>
+          <a:lstStyle/>
+          <a:p>
+            <a:endParaRPr lang="it-IT"/>
+          </a:p>
+        </p:txBody>
+      </p:sp>
+      <p:pic>
+        <p:nvPicPr>
+          <p:cNvPr id="9" name="Image 1" descr="preencoded.png"/>
+          <p:cNvPicPr>
+            <a:picLocks noChangeAspect="1"/>
+          </p:cNvPicPr>
+          <p:nvPr/>
+        </p:nvPicPr>
+        <p:blipFill>
+          <a:blip r:embed="rId3"/>
+          <a:stretch>
+            <a:fillRect/>
+          </a:stretch>
+        </p:blipFill>
+        <p:spPr>
+          <a:xfrm>
+            <a:off x="7371636" y="1379815"/>
+            <a:ext cx="91440" cy="1817965"/>
+          </a:xfrm>
+          <a:prstGeom prst="rect">
+            <a:avLst/>
+          </a:prstGeom>
+        </p:spPr>
+      </p:pic>
+      <p:sp>
+        <p:nvSpPr>
+          <p:cNvPr id="10" name="Text 6"/>
+          <p:cNvSpPr/>
+          <p:nvPr/>
+        </p:nvSpPr>
+        <p:spPr>
+          <a:xfrm>
+            <a:off x="7644646" y="1561386"/>
+            <a:ext cx="5851565" cy="248007"/>
+          </a:xfrm>
+          <a:prstGeom prst="rect">
+            <a:avLst/>
+          </a:prstGeom>
+          <a:noFill/>
+          <a:ln/>
+        </p:spPr>
+        <p:txBody>
+          <a:bodyPr wrap="none" lIns="0" tIns="0" rIns="0" bIns="0" rtlCol="0" anchor="t"/>
+          <a:lstStyle/>
+          <a:p>
+            <a:pPr marL="0" indent="0" algn="l">
+              <a:lnSpc>
+                <a:spcPts val="1950"/>
+              </a:lnSpc>
+              <a:buNone/>
+            </a:pPr>
+            <a:r>
+              <a:rPr lang="en-US" sz="1550" b="1" dirty="0">
+                <a:solidFill>
+                  <a:srgbClr val="DAD1E6"/>
+                </a:solidFill>
+                <a:latin typeface="Inconsolata Bold" pitchFamily="34" charset="0"/>
+                <a:ea typeface="Inconsolata Bold" pitchFamily="34" charset="-122"/>
+                <a:cs typeface="Inconsolata Bold" pitchFamily="34" charset="-120"/>
+              </a:rPr>
+              <a:t>API Scalabili e Costi Efficienti (API Gateway + AWS Lambda)</a:t>
+            </a:r>
+            <a:endParaRPr lang="en-US" sz="1550" dirty="0"/>
+          </a:p>
+        </p:txBody>
+      </p:sp>
+      <p:sp>
+        <p:nvSpPr>
+          <p:cNvPr id="11" name="Text 7"/>
+          <p:cNvSpPr/>
+          <p:nvPr/>
+        </p:nvSpPr>
+        <p:spPr>
+          <a:xfrm>
+            <a:off x="7644646" y="1904643"/>
+            <a:ext cx="6010394" cy="254079"/>
+          </a:xfrm>
+          <a:prstGeom prst="rect">
+            <a:avLst/>
+          </a:prstGeom>
+          <a:noFill/>
+          <a:ln/>
+        </p:spPr>
+        <p:txBody>
+          <a:bodyPr wrap="none" lIns="0" tIns="0" rIns="0" bIns="0" rtlCol="0" anchor="t"/>
+          <a:lstStyle/>
+          <a:p>
+            <a:pPr marL="0" indent="0" algn="l">
+              <a:lnSpc>
+                <a:spcPts val="2000"/>
+              </a:lnSpc>
+              <a:buNone/>
+            </a:pPr>
+            <a:r>
+              <a:rPr lang="en-US" sz="1250" dirty="0">
+                <a:solidFill>
+                  <a:srgbClr val="DAD1E6"/>
+                </a:solidFill>
+                <a:latin typeface="Fira Sans" pitchFamily="34" charset="0"/>
+                <a:ea typeface="Fira Sans" pitchFamily="34" charset="-122"/>
+                <a:cs typeface="Fira Sans" pitchFamily="34" charset="-120"/>
+              </a:rPr>
+              <a:t>Espongono API robuste e scalabili per il frontend Flutter. </a:t>
+            </a:r>
+            <a:endParaRPr lang="en-US" sz="1250" dirty="0"/>
+          </a:p>
+        </p:txBody>
+      </p:sp>
+      <p:sp>
+        <p:nvSpPr>
+          <p:cNvPr id="12" name="Text 8"/>
+          <p:cNvSpPr/>
+          <p:nvPr/>
+        </p:nvSpPr>
+        <p:spPr>
+          <a:xfrm>
+            <a:off x="7644646" y="2253972"/>
+            <a:ext cx="6010394" cy="762238"/>
+          </a:xfrm>
+          <a:prstGeom prst="rect">
+            <a:avLst/>
+          </a:prstGeom>
+          <a:noFill/>
+          <a:ln/>
+        </p:spPr>
+        <p:txBody>
+          <a:bodyPr wrap="square" lIns="0" tIns="0" rIns="0" bIns="0" rtlCol="0" anchor="t"/>
+          <a:lstStyle/>
+          <a:p>
+            <a:pPr marL="0" indent="0" algn="l">
+              <a:lnSpc>
+                <a:spcPts val="2000"/>
+              </a:lnSpc>
+              <a:buNone/>
+            </a:pPr>
+            <a:r>
+              <a:rPr lang="en-US" sz="1250" dirty="0">
+                <a:solidFill>
+                  <a:srgbClr val="DAD1E6"/>
+                </a:solidFill>
+                <a:latin typeface="Fira Sans" pitchFamily="34" charset="0"/>
+                <a:ea typeface="Fira Sans" pitchFamily="34" charset="-122"/>
+                <a:cs typeface="Fira Sans" pitchFamily="34" charset="-120"/>
+              </a:rPr>
+              <a:t>Il modello serverless ottimizza i costi e si adatta dinamicamente a picchi di traffico durante eventi TEDx, permettendo agli utenti di avere un'esperienza fluida anche nei momenti di maggiore interazione.</a:t>
+            </a:r>
+            <a:endParaRPr lang="en-US" sz="1250" dirty="0"/>
+          </a:p>
+        </p:txBody>
+      </p:sp>
+      <p:sp>
+        <p:nvSpPr>
+          <p:cNvPr id="13" name="Shape 9"/>
+          <p:cNvSpPr/>
+          <p:nvPr/>
+        </p:nvSpPr>
+        <p:spPr>
+          <a:xfrm>
+            <a:off x="793790" y="3356491"/>
+            <a:ext cx="6441996" cy="1722715"/>
+          </a:xfrm>
+          <a:prstGeom prst="roundRect">
+            <a:avLst>
+              <a:gd name="adj" fmla="val 6369"/>
+            </a:avLst>
+          </a:prstGeom>
+          <a:solidFill>
+            <a:srgbClr val="241631"/>
+          </a:solidFill>
+          <a:ln w="22860">
+            <a:solidFill>
+              <a:srgbClr val="5C4E69"/>
+            </a:solidFill>
+            <a:prstDash val="solid"/>
+          </a:ln>
+        </p:spPr>
+        <p:txBody>
+          <a:bodyPr/>
+          <a:lstStyle/>
+          <a:p>
+            <a:endParaRPr lang="it-IT"/>
+          </a:p>
+        </p:txBody>
+      </p:sp>
+      <p:pic>
+        <p:nvPicPr>
+          <p:cNvPr id="14" name="Image 2" descr="preencoded.png"/>
+          <p:cNvPicPr>
+            <a:picLocks noChangeAspect="1"/>
+          </p:cNvPicPr>
+          <p:nvPr/>
+        </p:nvPicPr>
+        <p:blipFill>
+          <a:blip r:embed="rId4"/>
+          <a:stretch>
+            <a:fillRect/>
+          </a:stretch>
+        </p:blipFill>
+        <p:spPr>
+          <a:xfrm>
+            <a:off x="770930" y="3356491"/>
+            <a:ext cx="91440" cy="1722715"/>
+          </a:xfrm>
+          <a:prstGeom prst="rect">
+            <a:avLst/>
+          </a:prstGeom>
+        </p:spPr>
+      </p:pic>
+      <p:sp>
+        <p:nvSpPr>
+          <p:cNvPr id="15" name="Text 10"/>
+          <p:cNvSpPr/>
+          <p:nvPr/>
+        </p:nvSpPr>
+        <p:spPr>
+          <a:xfrm>
+            <a:off x="1043940" y="3538061"/>
+            <a:ext cx="4066342" cy="248007"/>
+          </a:xfrm>
+          <a:prstGeom prst="rect">
+            <a:avLst/>
+          </a:prstGeom>
+          <a:noFill/>
+          <a:ln/>
+        </p:spPr>
+        <p:txBody>
+          <a:bodyPr wrap="none" lIns="0" tIns="0" rIns="0" bIns="0" rtlCol="0" anchor="t"/>
+          <a:lstStyle/>
+          <a:p>
+            <a:pPr marL="0" indent="0" algn="l">
+              <a:lnSpc>
+                <a:spcPts val="1950"/>
+              </a:lnSpc>
+              <a:buNone/>
+            </a:pPr>
+            <a:r>
+              <a:rPr lang="en-US" sz="1550" b="1" dirty="0">
+                <a:solidFill>
+                  <a:srgbClr val="DAD1E6"/>
+                </a:solidFill>
+                <a:latin typeface="Inconsolata Bold" pitchFamily="34" charset="0"/>
+                <a:ea typeface="Inconsolata Bold" pitchFamily="34" charset="-122"/>
+                <a:cs typeface="Inconsolata Bold" pitchFamily="34" charset="-120"/>
+              </a:rPr>
+              <a:t>Flessibilità del Database (MongoDB Atlas)</a:t>
+            </a:r>
+            <a:endParaRPr lang="en-US" sz="1550" dirty="0"/>
+          </a:p>
+        </p:txBody>
+      </p:sp>
+      <p:sp>
+        <p:nvSpPr>
+          <p:cNvPr id="16" name="Text 11"/>
+          <p:cNvSpPr/>
+          <p:nvPr/>
+        </p:nvSpPr>
+        <p:spPr>
+          <a:xfrm>
+            <a:off x="1043940" y="3881318"/>
+            <a:ext cx="6010275" cy="1016318"/>
+          </a:xfrm>
+          <a:prstGeom prst="rect">
+            <a:avLst/>
+          </a:prstGeom>
+          <a:noFill/>
+          <a:ln/>
+        </p:spPr>
+        <p:txBody>
+          <a:bodyPr wrap="square" lIns="0" tIns="0" rIns="0" bIns="0" rtlCol="0" anchor="t"/>
+          <a:lstStyle/>
+          <a:p>
+            <a:pPr marL="0" indent="0" algn="l">
+              <a:lnSpc>
+                <a:spcPts val="2000"/>
+              </a:lnSpc>
+              <a:buNone/>
+            </a:pPr>
+            <a:r>
+              <a:rPr lang="en-US" sz="1250" dirty="0">
+                <a:solidFill>
+                  <a:srgbClr val="DAD1E6"/>
+                </a:solidFill>
+                <a:latin typeface="Fira Sans" pitchFamily="34" charset="0"/>
+                <a:ea typeface="Fira Sans" pitchFamily="34" charset="-122"/>
+                <a:cs typeface="Fira Sans" pitchFamily="34" charset="-120"/>
+              </a:rPr>
+              <a:t>Scegliamo MongoDB per la sua flessibilità nella gestione di dati non strutturati e variabili, come profili utente, interessi,  talk e match generati.In questo modo il database è pronto a supportare nuove feature di personalizzazione e socializzazione senza dover ridisegnare l’intero schema.</a:t>
+            </a:r>
+            <a:endParaRPr lang="en-US" sz="1250" dirty="0"/>
+          </a:p>
+        </p:txBody>
+      </p:sp>
+      <p:sp>
+        <p:nvSpPr>
+          <p:cNvPr id="17" name="Shape 12"/>
+          <p:cNvSpPr/>
+          <p:nvPr/>
+        </p:nvSpPr>
+        <p:spPr>
+          <a:xfrm>
+            <a:off x="7394496" y="3356491"/>
+            <a:ext cx="6442115" cy="1722715"/>
+          </a:xfrm>
+          <a:prstGeom prst="roundRect">
+            <a:avLst>
+              <a:gd name="adj" fmla="val 6369"/>
+            </a:avLst>
+          </a:prstGeom>
+          <a:solidFill>
+            <a:srgbClr val="241631"/>
+          </a:solidFill>
+          <a:ln w="22860">
+            <a:solidFill>
+              <a:srgbClr val="5C4E69"/>
+            </a:solidFill>
+            <a:prstDash val="solid"/>
+          </a:ln>
+        </p:spPr>
+        <p:txBody>
+          <a:bodyPr/>
+          <a:lstStyle/>
+          <a:p>
+            <a:endParaRPr lang="it-IT"/>
+          </a:p>
+        </p:txBody>
+      </p:sp>
+      <p:pic>
+        <p:nvPicPr>
+          <p:cNvPr id="18" name="Image 3" descr="preencoded.png"/>
+          <p:cNvPicPr>
+            <a:picLocks noChangeAspect="1"/>
+          </p:cNvPicPr>
+          <p:nvPr/>
+        </p:nvPicPr>
+        <p:blipFill>
+          <a:blip r:embed="rId4"/>
+          <a:stretch>
+            <a:fillRect/>
+          </a:stretch>
+        </p:blipFill>
+        <p:spPr>
+          <a:xfrm>
+            <a:off x="7371636" y="3356491"/>
+            <a:ext cx="91440" cy="1722715"/>
+          </a:xfrm>
+          <a:prstGeom prst="rect">
+            <a:avLst/>
+          </a:prstGeom>
+        </p:spPr>
+      </p:pic>
+      <p:sp>
+        <p:nvSpPr>
+          <p:cNvPr id="19" name="Text 13"/>
+          <p:cNvSpPr/>
+          <p:nvPr/>
+        </p:nvSpPr>
+        <p:spPr>
+          <a:xfrm>
+            <a:off x="7644646" y="3538061"/>
+            <a:ext cx="5554028" cy="248007"/>
+          </a:xfrm>
+          <a:prstGeom prst="rect">
+            <a:avLst/>
+          </a:prstGeom>
+          <a:noFill/>
+          <a:ln/>
+        </p:spPr>
+        <p:txBody>
+          <a:bodyPr wrap="none" lIns="0" tIns="0" rIns="0" bIns="0" rtlCol="0" anchor="t"/>
+          <a:lstStyle/>
+          <a:p>
+            <a:pPr marL="0" indent="0" algn="l">
+              <a:lnSpc>
+                <a:spcPts val="1950"/>
+              </a:lnSpc>
+              <a:buNone/>
+            </a:pPr>
+            <a:r>
+              <a:rPr lang="en-US" sz="1550" b="1" dirty="0">
+                <a:solidFill>
+                  <a:srgbClr val="DAD1E6"/>
+                </a:solidFill>
+                <a:latin typeface="Inconsolata Bold" pitchFamily="34" charset="0"/>
+                <a:ea typeface="Inconsolata Bold" pitchFamily="34" charset="-122"/>
+                <a:cs typeface="Inconsolata Bold" pitchFamily="34" charset="-120"/>
+              </a:rPr>
+              <a:t>Storage e Comunicazione in Tempo Reale (Amazon S3 + SNS)</a:t>
+            </a:r>
+            <a:endParaRPr lang="en-US" sz="1550" dirty="0"/>
+          </a:p>
+        </p:txBody>
+      </p:sp>
+      <p:sp>
+        <p:nvSpPr>
+          <p:cNvPr id="20" name="Text 14"/>
+          <p:cNvSpPr/>
+          <p:nvPr/>
+        </p:nvSpPr>
+        <p:spPr>
+          <a:xfrm>
+            <a:off x="7644646" y="3881318"/>
+            <a:ext cx="6010394" cy="762238"/>
+          </a:xfrm>
+          <a:prstGeom prst="rect">
+            <a:avLst/>
+          </a:prstGeom>
+          <a:noFill/>
+          <a:ln/>
+        </p:spPr>
+        <p:txBody>
+          <a:bodyPr wrap="square" lIns="0" tIns="0" rIns="0" bIns="0" rtlCol="0" anchor="t"/>
+          <a:lstStyle/>
+          <a:p>
+            <a:pPr marL="0" indent="0" algn="l">
+              <a:lnSpc>
+                <a:spcPts val="2000"/>
+              </a:lnSpc>
+              <a:buNone/>
+            </a:pPr>
+            <a:r>
+              <a:rPr lang="en-US" sz="1250" dirty="0">
+                <a:solidFill>
+                  <a:srgbClr val="DAD1E6"/>
+                </a:solidFill>
+                <a:latin typeface="Fira Sans" pitchFamily="34" charset="0"/>
+                <a:ea typeface="Fira Sans" pitchFamily="34" charset="-122"/>
+                <a:cs typeface="Fira Sans" pitchFamily="34" charset="-120"/>
+              </a:rPr>
+              <a:t>S3 offre storage sicuro per media e file statici. SNS abilita notifiche push in tempo reale, stimolando l'interazione degli utenti con avvisi sui nuovi match e sui nuovi eventi firmati TEDx.</a:t>
+            </a:r>
+            <a:endParaRPr lang="en-US" sz="1250" dirty="0"/>
+          </a:p>
+        </p:txBody>
+      </p:sp>
+      <p:sp>
+        <p:nvSpPr>
+          <p:cNvPr id="21" name="Shape 15"/>
+          <p:cNvSpPr/>
+          <p:nvPr/>
+        </p:nvSpPr>
+        <p:spPr>
+          <a:xfrm>
+            <a:off x="793790" y="5237917"/>
+            <a:ext cx="6441996" cy="2326124"/>
+          </a:xfrm>
+          <a:prstGeom prst="roundRect">
+            <a:avLst>
+              <a:gd name="adj" fmla="val 4717"/>
+            </a:avLst>
+          </a:prstGeom>
+          <a:solidFill>
+            <a:srgbClr val="241631"/>
+          </a:solidFill>
+          <a:ln w="22860">
+            <a:solidFill>
+              <a:srgbClr val="5C4E69"/>
+            </a:solidFill>
+            <a:prstDash val="solid"/>
+          </a:ln>
+        </p:spPr>
+        <p:txBody>
+          <a:bodyPr/>
+          <a:lstStyle/>
+          <a:p>
+            <a:endParaRPr lang="it-IT"/>
+          </a:p>
+        </p:txBody>
+      </p:sp>
+      <p:pic>
+        <p:nvPicPr>
+          <p:cNvPr id="22" name="Image 4" descr="preencoded.png"/>
+          <p:cNvPicPr>
+            <a:picLocks noChangeAspect="1"/>
+          </p:cNvPicPr>
+          <p:nvPr/>
+        </p:nvPicPr>
+        <p:blipFill>
+          <a:blip r:embed="rId5"/>
+          <a:stretch>
+            <a:fillRect/>
+          </a:stretch>
+        </p:blipFill>
+        <p:spPr>
+          <a:xfrm>
+            <a:off x="770930" y="5237917"/>
+            <a:ext cx="91440" cy="2326124"/>
+          </a:xfrm>
+          <a:prstGeom prst="rect">
+            <a:avLst/>
+          </a:prstGeom>
+        </p:spPr>
+      </p:pic>
+      <p:sp>
+        <p:nvSpPr>
+          <p:cNvPr id="23" name="Text 16"/>
+          <p:cNvSpPr/>
+          <p:nvPr/>
+        </p:nvSpPr>
+        <p:spPr>
+          <a:xfrm>
+            <a:off x="1043940" y="5419487"/>
+            <a:ext cx="5058132" cy="248007"/>
+          </a:xfrm>
+          <a:prstGeom prst="rect">
+            <a:avLst/>
+          </a:prstGeom>
+          <a:noFill/>
+          <a:ln/>
+        </p:spPr>
+        <p:txBody>
+          <a:bodyPr wrap="none" lIns="0" tIns="0" rIns="0" bIns="0" rtlCol="0" anchor="t"/>
+          <a:lstStyle/>
+          <a:p>
+            <a:pPr marL="0" indent="0" algn="l">
+              <a:lnSpc>
+                <a:spcPts val="1950"/>
+              </a:lnSpc>
+              <a:buNone/>
+            </a:pPr>
+            <a:r>
+              <a:rPr lang="en-US" sz="1550" b="1" dirty="0">
+                <a:solidFill>
+                  <a:srgbClr val="DAD1E6"/>
+                </a:solidFill>
+                <a:latin typeface="Inconsolata Bold" pitchFamily="34" charset="0"/>
+                <a:ea typeface="Inconsolata Bold" pitchFamily="34" charset="-122"/>
+                <a:cs typeface="Inconsolata Bold" pitchFamily="34" charset="-120"/>
+              </a:rPr>
+              <a:t>Raccomandazioni Personalizzate (Amazon Personalize)</a:t>
+            </a:r>
+            <a:endParaRPr lang="en-US" sz="1550" dirty="0"/>
+          </a:p>
+        </p:txBody>
+      </p:sp>
+      <p:sp>
+        <p:nvSpPr>
+          <p:cNvPr id="24" name="Text 17"/>
+          <p:cNvSpPr/>
+          <p:nvPr/>
+        </p:nvSpPr>
+        <p:spPr>
+          <a:xfrm>
+            <a:off x="1043940" y="5762744"/>
+            <a:ext cx="6010275" cy="1270397"/>
+          </a:xfrm>
+          <a:prstGeom prst="rect">
+            <a:avLst/>
+          </a:prstGeom>
+          <a:noFill/>
+          <a:ln/>
+        </p:spPr>
+        <p:txBody>
+          <a:bodyPr wrap="square" lIns="0" tIns="0" rIns="0" bIns="0" rtlCol="0" anchor="t"/>
+          <a:lstStyle/>
+          <a:p>
+            <a:pPr marL="0" indent="0" algn="l">
+              <a:lnSpc>
+                <a:spcPts val="2000"/>
+              </a:lnSpc>
+              <a:buNone/>
+            </a:pPr>
+            <a:r>
+              <a:rPr lang="en-US" sz="1250" dirty="0">
+                <a:solidFill>
+                  <a:srgbClr val="DAD1E6"/>
+                </a:solidFill>
+                <a:latin typeface="Fira Sans" pitchFamily="34" charset="0"/>
+                <a:ea typeface="Fira Sans" pitchFamily="34" charset="-122"/>
+                <a:cs typeface="Fira Sans" pitchFamily="34" charset="-120"/>
+              </a:rPr>
+              <a:t>è il cuore del sistema di suggerimenti.Analizza in tempo reale le interazioni degli utenti (likes, visualizzazioni, tags preferiti).Amazon Personalize ci consente di generare suggerimenti mirati, basati sia sui contenuti (Talk TEDx) che su connessioni (utenti simili).</a:t>
+            </a:r>
+            <a:endParaRPr lang="en-US" sz="1250" dirty="0"/>
+          </a:p>
+        </p:txBody>
+      </p:sp>
+      <p:sp>
+        <p:nvSpPr>
+          <p:cNvPr id="25" name="Text 18"/>
+          <p:cNvSpPr/>
+          <p:nvPr/>
+        </p:nvSpPr>
+        <p:spPr>
+          <a:xfrm>
+            <a:off x="1043940" y="7128391"/>
+            <a:ext cx="6010275" cy="254079"/>
+          </a:xfrm>
+          <a:prstGeom prst="rect">
+            <a:avLst/>
+          </a:prstGeom>
+          <a:noFill/>
+          <a:ln/>
+        </p:spPr>
+        <p:txBody>
+          <a:bodyPr wrap="none" lIns="0" tIns="0" rIns="0" bIns="0" rtlCol="0" anchor="t"/>
+          <a:lstStyle/>
+          <a:p>
+            <a:pPr marL="0" indent="0" algn="l">
+              <a:lnSpc>
+                <a:spcPts val="2000"/>
+              </a:lnSpc>
+              <a:buNone/>
+            </a:pPr>
+            <a:r>
+              <a:rPr lang="en-US" sz="1250" dirty="0">
+                <a:solidFill>
+                  <a:srgbClr val="DAD1E6"/>
+                </a:solidFill>
+                <a:latin typeface="Fira Sans" pitchFamily="34" charset="0"/>
+                <a:ea typeface="Fira Sans" pitchFamily="34" charset="-122"/>
+                <a:cs typeface="Fira Sans" pitchFamily="34" charset="-120"/>
+              </a:rPr>
+              <a:t>Ci permette di migliora il networking tra persone con interessi comuni.</a:t>
+            </a:r>
+            <a:endParaRPr lang="en-US" sz="1250" dirty="0"/>
+          </a:p>
+        </p:txBody>
+      </p:sp>
+      <p:sp>
+        <p:nvSpPr>
+          <p:cNvPr id="26" name="Shape 19"/>
+          <p:cNvSpPr/>
+          <p:nvPr/>
+        </p:nvSpPr>
+        <p:spPr>
+          <a:xfrm>
+            <a:off x="7394496" y="5237917"/>
+            <a:ext cx="6442115" cy="2326124"/>
+          </a:xfrm>
+          <a:prstGeom prst="roundRect">
+            <a:avLst>
+              <a:gd name="adj" fmla="val 4717"/>
+            </a:avLst>
+          </a:prstGeom>
+          <a:solidFill>
+            <a:srgbClr val="241631"/>
+          </a:solidFill>
+          <a:ln w="22860">
+            <a:solidFill>
+              <a:srgbClr val="5C4E69"/>
+            </a:solidFill>
+            <a:prstDash val="solid"/>
+          </a:ln>
+        </p:spPr>
+        <p:txBody>
+          <a:bodyPr/>
+          <a:lstStyle/>
+          <a:p>
+            <a:endParaRPr lang="it-IT"/>
+          </a:p>
+        </p:txBody>
+      </p:sp>
+      <p:pic>
+        <p:nvPicPr>
+          <p:cNvPr id="27" name="Image 5" descr="preencoded.png"/>
+          <p:cNvPicPr>
+            <a:picLocks noChangeAspect="1"/>
+          </p:cNvPicPr>
+          <p:nvPr/>
+        </p:nvPicPr>
+        <p:blipFill>
+          <a:blip r:embed="rId5"/>
+          <a:stretch>
+            <a:fillRect/>
+          </a:stretch>
+        </p:blipFill>
+        <p:spPr>
+          <a:xfrm>
+            <a:off x="7371636" y="5237917"/>
+            <a:ext cx="91440" cy="2326124"/>
+          </a:xfrm>
+          <a:prstGeom prst="rect">
+            <a:avLst/>
+          </a:prstGeom>
+        </p:spPr>
+      </p:pic>
+      <p:sp>
+        <p:nvSpPr>
+          <p:cNvPr id="28" name="Text 20"/>
+          <p:cNvSpPr/>
+          <p:nvPr/>
+        </p:nvSpPr>
+        <p:spPr>
+          <a:xfrm>
+            <a:off x="7644646" y="5419487"/>
+            <a:ext cx="5851565" cy="248007"/>
+          </a:xfrm>
+          <a:prstGeom prst="rect">
+            <a:avLst/>
+          </a:prstGeom>
+          <a:noFill/>
+          <a:ln/>
+        </p:spPr>
+        <p:txBody>
+          <a:bodyPr wrap="none" lIns="0" tIns="0" rIns="0" bIns="0" rtlCol="0" anchor="t"/>
+          <a:lstStyle/>
+          <a:p>
+            <a:pPr marL="0" indent="0" algn="l">
+              <a:lnSpc>
+                <a:spcPts val="1950"/>
+              </a:lnSpc>
+              <a:buNone/>
+            </a:pPr>
+            <a:r>
+              <a:rPr lang="en-US" sz="1550" b="1" dirty="0">
+                <a:solidFill>
+                  <a:srgbClr val="DAD1E6"/>
+                </a:solidFill>
+                <a:latin typeface="Inconsolata Bold" pitchFamily="34" charset="0"/>
+                <a:ea typeface="Inconsolata Bold" pitchFamily="34" charset="-122"/>
+                <a:cs typeface="Inconsolata Bold" pitchFamily="34" charset="-120"/>
+              </a:rPr>
+              <a:t>Preparazione Dati per l'Intelligenza Artificiale (AWS Glue)</a:t>
+            </a:r>
+            <a:endParaRPr lang="en-US" sz="1550" dirty="0"/>
+          </a:p>
+        </p:txBody>
+      </p:sp>
+      <p:sp>
+        <p:nvSpPr>
+          <p:cNvPr id="29" name="Text 21"/>
+          <p:cNvSpPr/>
+          <p:nvPr/>
+        </p:nvSpPr>
+        <p:spPr>
+          <a:xfrm>
+            <a:off x="7644646" y="5762744"/>
+            <a:ext cx="6010394" cy="508159"/>
+          </a:xfrm>
+          <a:prstGeom prst="rect">
+            <a:avLst/>
+          </a:prstGeom>
+          <a:noFill/>
+          <a:ln/>
+        </p:spPr>
+        <p:txBody>
+          <a:bodyPr wrap="square" lIns="0" tIns="0" rIns="0" bIns="0" rtlCol="0" anchor="t"/>
+          <a:lstStyle/>
+          <a:p>
+            <a:pPr marL="0" indent="0" algn="l">
+              <a:lnSpc>
+                <a:spcPts val="2000"/>
+              </a:lnSpc>
+              <a:buNone/>
+            </a:pPr>
+            <a:r>
+              <a:rPr lang="en-US" sz="1250" dirty="0">
+                <a:solidFill>
+                  <a:srgbClr val="DAD1E6"/>
+                </a:solidFill>
+                <a:latin typeface="Fira Sans" pitchFamily="34" charset="0"/>
+                <a:ea typeface="Fira Sans" pitchFamily="34" charset="-122"/>
+                <a:cs typeface="Fira Sans" pitchFamily="34" charset="-120"/>
+              </a:rPr>
+              <a:t>AWS Glue ci permette di integrare e trasformare dataset eterogenei in modalità serverless ETL, riducendo complessità e costi.</a:t>
+            </a:r>
+            <a:endParaRPr lang="en-US" sz="1250" dirty="0"/>
+          </a:p>
+        </p:txBody>
+      </p:sp>
+      <p:sp>
+        <p:nvSpPr>
+          <p:cNvPr id="30" name="Text 22"/>
+          <p:cNvSpPr/>
+          <p:nvPr/>
+        </p:nvSpPr>
+        <p:spPr>
+          <a:xfrm>
+            <a:off x="7644646" y="6366153"/>
+            <a:ext cx="6010394" cy="508159"/>
+          </a:xfrm>
+          <a:prstGeom prst="rect">
+            <a:avLst/>
+          </a:prstGeom>
+          <a:noFill/>
+          <a:ln/>
+        </p:spPr>
+        <p:txBody>
+          <a:bodyPr wrap="square" lIns="0" tIns="0" rIns="0" bIns="0" rtlCol="0" anchor="t"/>
+          <a:lstStyle/>
+          <a:p>
+            <a:pPr marL="0" indent="0" algn="l">
+              <a:lnSpc>
+                <a:spcPts val="2000"/>
+              </a:lnSpc>
+              <a:buNone/>
+            </a:pPr>
+            <a:r>
+              <a:rPr lang="en-US" sz="1250" dirty="0">
+                <a:solidFill>
+                  <a:srgbClr val="DAD1E6"/>
+                </a:solidFill>
+                <a:latin typeface="Fira Sans" pitchFamily="34" charset="0"/>
+                <a:ea typeface="Fira Sans" pitchFamily="34" charset="-122"/>
+                <a:cs typeface="Fira Sans" pitchFamily="34" charset="-120"/>
+              </a:rPr>
+              <a:t>Gestisce grandi volumi di dati in crescita, consentendo di mantenere sempre aggiornati i dati relativi ai talk.</a:t>
+            </a:r>
+            <a:endParaRPr lang="en-US" sz="1250" dirty="0"/>
+          </a:p>
+        </p:txBody>
+      </p:sp>
+      <p:sp>
+        <p:nvSpPr>
+          <p:cNvPr id="31" name="Rettangolo 30">
+            <a:extLst>
+              <a:ext uri="{FF2B5EF4-FFF2-40B4-BE49-F238E27FC236}">
+                <a16:creationId xmlns:a16="http://schemas.microsoft.com/office/drawing/2014/main" id="{78E660A3-1237-7DDF-B82C-D7E3FD71F844}"/>
+              </a:ext>
+            </a:extLst>
+          </p:cNvPr>
+          <p:cNvSpPr/>
+          <p:nvPr/>
+        </p:nvSpPr>
+        <p:spPr>
+          <a:xfrm>
+            <a:off x="12814126" y="7659290"/>
+            <a:ext cx="1816274" cy="570309"/>
+          </a:xfrm>
+          <a:prstGeom prst="rect">
+            <a:avLst/>
+          </a:prstGeom>
+          <a:solidFill>
+            <a:srgbClr val="241630"/>
+          </a:solidFill>
+          <a:ln>
+            <a:noFill/>
+          </a:ln>
+        </p:spPr>
+        <p:style>
+          <a:lnRef idx="2">
+            <a:schemeClr val="accent1">
+              <a:shade val="15000"/>
+            </a:schemeClr>
+          </a:lnRef>
+          <a:fillRef idx="1">
+            <a:schemeClr val="accent1"/>
+          </a:fillRef>
+          <a:effectRef idx="0">
+            <a:schemeClr val="accent1"/>
+          </a:effectRef>
+          <a:fontRef idx="minor">
+            <a:schemeClr val="lt1"/>
+          </a:fontRef>
+        </p:style>
+        <p:txBody>
+          <a:bodyPr rtlCol="0" anchor="ctr"/>
+          <a:lstStyle/>
+          <a:p>
+            <a:pPr algn="ctr"/>
+            <a:endParaRPr lang="it-IT"/>
+          </a:p>
+        </p:txBody>
+      </p:sp>
+    </p:spTree>
+  </p:cSld>
+  <p:clrMapOvr>
+    <a:masterClrMapping/>
+  </p:clrMapOvr>
+</p:sld>
+</file>
+
+<file path=ppt/slides/slide8.xml><?xml version="1.0" encoding="utf-8"?>
 <p:sld xmlns:a="http://schemas.openxmlformats.org/drawingml/2006/main" xmlns:r="http://schemas.openxmlformats.org/officeDocument/2006/relationships" xmlns:p="http://schemas.openxmlformats.org/presentationml/2006/main">
   <p:cSld name="Slide 5">
     <p:spTree>
